--- a/presentation/CSS Specificity.pptx
+++ b/presentation/CSS Specificity.pptx
@@ -8,6 +8,8 @@
     <p:sldId id="256" r:id="rId2"/>
     <p:sldId id="257" r:id="rId3"/>
     <p:sldId id="258" r:id="rId4"/>
+    <p:sldId id="259" r:id="rId5"/>
+    <p:sldId id="260" r:id="rId6"/>
   </p:sldIdLst>
   <p:sldSz cx="12192000" cy="6858000"/>
   <p:notesSz cx="6858000" cy="9144000"/>
@@ -12560,13 +12562,21 @@
             <p:ph type="title"/>
           </p:nvPr>
         </p:nvSpPr>
-        <p:spPr/>
+        <p:spPr>
+          <a:xfrm>
+            <a:off x="424069" y="530087"/>
+            <a:ext cx="10683331" cy="738737"/>
+          </a:xfrm>
+        </p:spPr>
         <p:txBody>
-          <a:bodyPr/>
+          <a:bodyPr>
+            <a:noAutofit/>
+          </a:bodyPr>
           <a:lstStyle/>
           <a:p>
+            <a:pPr algn="ctr"/>
             <a:r>
-              <a:rPr lang="en-US" dirty="0"/>
+              <a:rPr lang="en-US" sz="4800" dirty="0"/>
               <a:t>Types</a:t>
             </a:r>
           </a:p>
@@ -12590,8 +12600,8 @@
         </p:blipFill>
         <p:spPr>
           <a:xfrm>
-            <a:off x="5255240" y="1951513"/>
-            <a:ext cx="5852160" cy="4137660"/>
+            <a:off x="5857460" y="1951513"/>
+            <a:ext cx="5249939" cy="4137660"/>
           </a:xfrm>
         </p:spPr>
       </p:pic>
@@ -12605,13 +12615,20 @@
             <p:ph type="body" sz="half" idx="2"/>
           </p:nvPr>
         </p:nvSpPr>
-        <p:spPr/>
+        <p:spPr>
+          <a:xfrm>
+            <a:off x="424069" y="1951513"/>
+            <a:ext cx="4969566" cy="4068417"/>
+          </a:xfrm>
+        </p:spPr>
         <p:txBody>
-          <a:bodyPr/>
+          <a:bodyPr>
+            <a:noAutofit/>
+          </a:bodyPr>
           <a:lstStyle/>
           <a:p>
             <a:r>
-              <a:rPr lang="en-US" dirty="0"/>
+              <a:rPr lang="en-US" sz="2400" dirty="0"/>
               <a:t>Types are classified as:</a:t>
             </a:r>
           </a:p>
@@ -12621,7 +12638,7 @@
               <a:buChar char="•"/>
             </a:pPr>
             <a:r>
-              <a:rPr lang="en-US" dirty="0"/>
+              <a:rPr lang="en-US" sz="2400" dirty="0"/>
               <a:t>Elements</a:t>
             </a:r>
           </a:p>
@@ -12631,7 +12648,7 @@
               <a:buChar char="•"/>
             </a:pPr>
             <a:r>
-              <a:rPr lang="en-US" dirty="0"/>
+              <a:rPr lang="en-US" sz="2400" dirty="0"/>
               <a:t>i.e.:</a:t>
             </a:r>
           </a:p>
@@ -12641,9 +12658,18 @@
               <a:buChar char="•"/>
             </a:pPr>
             <a:r>
-              <a:rPr lang="en-US" dirty="0"/>
-              <a:t>h2</a:t>
+              <a:rPr lang="en-US" sz="2400" dirty="0"/>
+              <a:t>h2, p, </a:t>
             </a:r>
+            <a:r>
+              <a:rPr lang="en-US" sz="2400" dirty="0" err="1"/>
+              <a:t>etc</a:t>
+            </a:r>
+            <a:r>
+              <a:rPr lang="en-US" sz="2400"/>
+              <a:t>…</a:t>
+            </a:r>
+            <a:endParaRPr lang="en-US" sz="2400" dirty="0"/>
           </a:p>
           <a:p>
             <a:pPr marL="285750" indent="-285750">
@@ -12651,7 +12677,7 @@
               <a:buChar char="•"/>
             </a:pPr>
             <a:r>
-              <a:rPr lang="en-US" dirty="0"/>
+              <a:rPr lang="en-US" sz="2400" dirty="0"/>
               <a:t>Code in CSS:</a:t>
             </a:r>
           </a:p>
@@ -12661,14 +12687,28 @@
               <a:buChar char="•"/>
             </a:pPr>
             <a:r>
-              <a:rPr lang="en-US" dirty="0"/>
+              <a:rPr lang="en-US" sz="2400" dirty="0">
+                <a:solidFill>
+                  <a:srgbClr val="FF0000"/>
+                </a:solidFill>
+              </a:rPr>
               <a:t>h2 { color: green }</a:t>
             </a:r>
           </a:p>
           <a:p>
+            <a:pPr marL="285750" indent="-285750">
+              <a:buFont typeface="Arial" panose="020B0604020202020204" pitchFamily="34" charset="0"/>
+              <a:buChar char="•"/>
+            </a:pPr>
+            <a:r>
+              <a:rPr lang="en-US" sz="2400" dirty="0"/>
+              <a:t>This will change ALL h2 elements</a:t>
+            </a:r>
+          </a:p>
+          <a:p>
             <a:pPr lvl="1"/>
             <a:r>
-              <a:rPr lang="en-US" dirty="0"/>
+              <a:rPr lang="en-US" sz="2400" dirty="0"/>
               <a:t>	</a:t>
             </a:r>
           </a:p>
@@ -12678,6 +12718,157 @@
     <p:extLst>
       <p:ext uri="{BB962C8B-B14F-4D97-AF65-F5344CB8AC3E}">
         <p14:creationId xmlns:p14="http://schemas.microsoft.com/office/powerpoint/2010/main" val="3479533413"/>
+      </p:ext>
+    </p:extLst>
+  </p:cSld>
+  <p:clrMapOvr>
+    <a:masterClrMapping/>
+  </p:clrMapOvr>
+</p:sld>
+</file>
+
+<file path=ppt/slides/slide4.xml><?xml version="1.0" encoding="utf-8"?>
+<p:sld xmlns:a="http://schemas.openxmlformats.org/drawingml/2006/main" xmlns:r="http://schemas.openxmlformats.org/officeDocument/2006/relationships" xmlns:p="http://schemas.openxmlformats.org/presentationml/2006/main">
+  <p:cSld>
+    <p:spTree>
+      <p:nvGrpSpPr>
+        <p:cNvPr id="1" name=""/>
+        <p:cNvGrpSpPr/>
+        <p:nvPr/>
+      </p:nvGrpSpPr>
+      <p:grpSpPr>
+        <a:xfrm>
+          <a:off x="0" y="0"/>
+          <a:ext cx="0" cy="0"/>
+          <a:chOff x="0" y="0"/>
+          <a:chExt cx="0" cy="0"/>
+        </a:xfrm>
+      </p:grpSpPr>
+      <p:sp>
+        <p:nvSpPr>
+          <p:cNvPr id="5" name="Title 4"/>
+          <p:cNvSpPr>
+            <a:spLocks noGrp="1"/>
+          </p:cNvSpPr>
+          <p:nvPr>
+            <p:ph type="title"/>
+          </p:nvPr>
+        </p:nvSpPr>
+        <p:spPr>
+          <a:xfrm>
+            <a:off x="970724" y="384312"/>
+            <a:ext cx="9905998" cy="970653"/>
+          </a:xfrm>
+        </p:spPr>
+        <p:txBody>
+          <a:bodyPr/>
+          <a:lstStyle/>
+          <a:p>
+            <a:r>
+              <a:rPr lang="en-US" dirty="0"/>
+              <a:t>How it looks</a:t>
+            </a:r>
+          </a:p>
+        </p:txBody>
+      </p:sp>
+      <p:pic>
+        <p:nvPicPr>
+          <p:cNvPr id="7" name="Content Placeholder 6"/>
+          <p:cNvPicPr>
+            <a:picLocks noGrp="1" noChangeAspect="1"/>
+          </p:cNvPicPr>
+          <p:nvPr>
+            <p:ph idx="1"/>
+          </p:nvPr>
+        </p:nvPicPr>
+        <p:blipFill>
+          <a:blip r:embed="rId2"/>
+          <a:stretch>
+            <a:fillRect/>
+          </a:stretch>
+        </p:blipFill>
+        <p:spPr>
+          <a:xfrm>
+            <a:off x="901149" y="1603513"/>
+            <a:ext cx="10045148" cy="5144683"/>
+          </a:xfrm>
+          <a:prstGeom prst="rect">
+            <a:avLst/>
+          </a:prstGeom>
+        </p:spPr>
+      </p:pic>
+    </p:spTree>
+    <p:extLst>
+      <p:ext uri="{BB962C8B-B14F-4D97-AF65-F5344CB8AC3E}">
+        <p14:creationId xmlns:p14="http://schemas.microsoft.com/office/powerpoint/2010/main" val="2350070417"/>
+      </p:ext>
+    </p:extLst>
+  </p:cSld>
+  <p:clrMapOvr>
+    <a:masterClrMapping/>
+  </p:clrMapOvr>
+</p:sld>
+</file>
+
+<file path=ppt/slides/slide5.xml><?xml version="1.0" encoding="utf-8"?>
+<p:sld xmlns:a="http://schemas.openxmlformats.org/drawingml/2006/main" xmlns:r="http://schemas.openxmlformats.org/officeDocument/2006/relationships" xmlns:p="http://schemas.openxmlformats.org/presentationml/2006/main">
+  <p:cSld>
+    <p:spTree>
+      <p:nvGrpSpPr>
+        <p:cNvPr id="1" name=""/>
+        <p:cNvGrpSpPr/>
+        <p:nvPr/>
+      </p:nvGrpSpPr>
+      <p:grpSpPr>
+        <a:xfrm>
+          <a:off x="0" y="0"/>
+          <a:ext cx="0" cy="0"/>
+          <a:chOff x="0" y="0"/>
+          <a:chExt cx="0" cy="0"/>
+        </a:xfrm>
+      </p:grpSpPr>
+      <p:sp>
+        <p:nvSpPr>
+          <p:cNvPr id="2" name="Title 1"/>
+          <p:cNvSpPr>
+            <a:spLocks noGrp="1"/>
+          </p:cNvSpPr>
+          <p:nvPr>
+            <p:ph type="title"/>
+          </p:nvPr>
+        </p:nvSpPr>
+        <p:spPr/>
+        <p:txBody>
+          <a:bodyPr/>
+          <a:lstStyle/>
+          <a:p>
+            <a:endParaRPr lang="en-US"/>
+          </a:p>
+        </p:txBody>
+      </p:sp>
+      <p:sp>
+        <p:nvSpPr>
+          <p:cNvPr id="3" name="Content Placeholder 2"/>
+          <p:cNvSpPr>
+            <a:spLocks noGrp="1"/>
+          </p:cNvSpPr>
+          <p:nvPr>
+            <p:ph idx="1"/>
+          </p:nvPr>
+        </p:nvSpPr>
+        <p:spPr/>
+        <p:txBody>
+          <a:bodyPr/>
+          <a:lstStyle/>
+          <a:p>
+            <a:endParaRPr lang="en-US"/>
+          </a:p>
+        </p:txBody>
+      </p:sp>
+    </p:spTree>
+    <p:extLst>
+      <p:ext uri="{BB962C8B-B14F-4D97-AF65-F5344CB8AC3E}">
+        <p14:creationId xmlns:p14="http://schemas.microsoft.com/office/powerpoint/2010/main" val="1812031519"/>
       </p:ext>
     </p:extLst>
   </p:cSld>

--- a/presentation/CSS Specificity.pptx
+++ b/presentation/CSS Specificity.pptx
@@ -12666,10 +12666,9 @@
               <a:t>etc</a:t>
             </a:r>
             <a:r>
-              <a:rPr lang="en-US" sz="2400"/>
+              <a:rPr lang="en-US" sz="2400" dirty="0"/>
               <a:t>…</a:t>
             </a:r>
-            <a:endParaRPr lang="en-US" sz="2400" dirty="0"/>
           </a:p>
           <a:p>
             <a:pPr marL="285750" indent="-285750">
@@ -12692,7 +12691,7 @@
                   <a:srgbClr val="FF0000"/>
                 </a:solidFill>
               </a:rPr>
-              <a:t>h2 { color: green }</a:t>
+              <a:t>h2 { color: green; }</a:t>
             </a:r>
           </a:p>
           <a:p>
@@ -12829,7 +12828,7 @@
       </p:grpSpPr>
       <p:sp>
         <p:nvSpPr>
-          <p:cNvPr id="2" name="Title 1"/>
+          <p:cNvPr id="7" name="Title 6"/>
           <p:cNvSpPr>
             <a:spLocks noGrp="1"/>
           </p:cNvSpPr>
@@ -12837,34 +12836,135 @@
             <p:ph type="title"/>
           </p:nvPr>
         </p:nvSpPr>
-        <p:spPr/>
+        <p:spPr>
+          <a:xfrm>
+            <a:off x="2192561" y="450573"/>
+            <a:ext cx="5934508" cy="659225"/>
+          </a:xfrm>
+        </p:spPr>
         <p:txBody>
-          <a:bodyPr/>
+          <a:bodyPr>
+            <a:noAutofit/>
+          </a:bodyPr>
           <a:lstStyle/>
           <a:p>
-            <a:endParaRPr lang="en-US"/>
+            <a:pPr algn="ctr"/>
+            <a:r>
+              <a:rPr lang="en-US" sz="4800" dirty="0"/>
+              <a:t>Classes</a:t>
+            </a:r>
           </a:p>
         </p:txBody>
       </p:sp>
       <p:sp>
         <p:nvSpPr>
-          <p:cNvPr id="3" name="Content Placeholder 2"/>
+          <p:cNvPr id="9" name="Text Placeholder 8"/>
           <p:cNvSpPr>
             <a:spLocks noGrp="1"/>
           </p:cNvSpPr>
           <p:nvPr>
-            <p:ph idx="1"/>
+            <p:ph type="body" sz="half" idx="2"/>
           </p:nvPr>
         </p:nvSpPr>
-        <p:spPr/>
+        <p:spPr>
+          <a:xfrm>
+            <a:off x="159026" y="2249486"/>
+            <a:ext cx="3903113" cy="3541714"/>
+          </a:xfrm>
+        </p:spPr>
         <p:txBody>
-          <a:bodyPr/>
+          <a:bodyPr>
+            <a:normAutofit lnSpcReduction="10000"/>
+          </a:bodyPr>
           <a:lstStyle/>
           <a:p>
-            <a:endParaRPr lang="en-US"/>
+            <a:r>
+              <a:rPr lang="en-US" sz="2400" dirty="0"/>
+              <a:t>Will be:</a:t>
+            </a:r>
+          </a:p>
+          <a:p>
+            <a:pPr marL="285750" indent="-285750">
+              <a:buFont typeface="Arial" panose="020B0604020202020204" pitchFamily="34" charset="0"/>
+              <a:buChar char="•"/>
+            </a:pPr>
+            <a:r>
+              <a:rPr lang="en-US" sz="2400" dirty="0"/>
+              <a:t>class=“…”</a:t>
+            </a:r>
+          </a:p>
+          <a:p>
+            <a:pPr marL="742950" lvl="1" indent="-285750">
+              <a:buFont typeface="Arial" panose="020B0604020202020204" pitchFamily="34" charset="0"/>
+              <a:buChar char="•"/>
+            </a:pPr>
+            <a:r>
+              <a:rPr lang="en-US" sz="2400" dirty="0"/>
+              <a:t>In this example it was coded as:</a:t>
+            </a:r>
+          </a:p>
+          <a:p>
+            <a:pPr marL="1200150" lvl="2" indent="-285750">
+              <a:buFont typeface="Arial" panose="020B0604020202020204" pitchFamily="34" charset="0"/>
+              <a:buChar char="•"/>
+            </a:pPr>
+            <a:r>
+              <a:rPr lang="en-US" sz="2400" dirty="0">
+                <a:solidFill>
+                  <a:srgbClr val="FF0000"/>
+                </a:solidFill>
+              </a:rPr>
+              <a:t>.news { color: blue; }</a:t>
+            </a:r>
+          </a:p>
+          <a:p>
+            <a:pPr marL="742950" lvl="1" indent="-285750">
+              <a:buFont typeface="Arial" panose="020B0604020202020204" pitchFamily="34" charset="0"/>
+              <a:buChar char="•"/>
+            </a:pPr>
+            <a:r>
+              <a:rPr lang="en-US" sz="2600" dirty="0"/>
+              <a:t>It pulls out anything with ‘class=“</a:t>
+            </a:r>
+            <a:r>
+              <a:rPr lang="en-US" sz="2600" dirty="0">
+                <a:solidFill>
+                  <a:srgbClr val="FF0000"/>
+                </a:solidFill>
+              </a:rPr>
+              <a:t>news</a:t>
+            </a:r>
+            <a:r>
+              <a:rPr lang="en-US" sz="2600" dirty="0"/>
+              <a:t>” ‘</a:t>
+            </a:r>
           </a:p>
         </p:txBody>
       </p:sp>
+      <p:pic>
+        <p:nvPicPr>
+          <p:cNvPr id="12" name="Picture 11"/>
+          <p:cNvPicPr>
+            <a:picLocks noChangeAspect="1"/>
+          </p:cNvPicPr>
+          <p:nvPr/>
+        </p:nvPicPr>
+        <p:blipFill>
+          <a:blip r:embed="rId2"/>
+          <a:stretch>
+            <a:fillRect/>
+          </a:stretch>
+        </p:blipFill>
+        <p:spPr>
+          <a:xfrm>
+            <a:off x="4062139" y="1383579"/>
+            <a:ext cx="8129861" cy="5273528"/>
+          </a:xfrm>
+          <a:prstGeom prst="rect">
+            <a:avLst/>
+          </a:prstGeom>
+        </p:spPr>
+      </p:pic>
     </p:spTree>
     <p:extLst>
       <p:ext uri="{BB962C8B-B14F-4D97-AF65-F5344CB8AC3E}">

--- a/presentation/CSS Specificity.pptx
+++ b/presentation/CSS Specificity.pptx
@@ -10,6 +10,10 @@
     <p:sldId id="258" r:id="rId4"/>
     <p:sldId id="259" r:id="rId5"/>
     <p:sldId id="260" r:id="rId6"/>
+    <p:sldId id="261" r:id="rId7"/>
+    <p:sldId id="262" r:id="rId8"/>
+    <p:sldId id="263" r:id="rId9"/>
+    <p:sldId id="264" r:id="rId10"/>
   </p:sldIdLst>
   <p:sldSz cx="12192000" cy="6858000"/>
   <p:notesSz cx="6858000" cy="9144000"/>
@@ -108,6 +112,11 @@
       </a:defRPr>
     </a:lvl9pPr>
   </p:defaultTextStyle>
+  <p:extLst>
+    <p:ext uri="{EFAFB233-063F-42B5-8137-9DF3F51BA10A}">
+      <p15:sldGuideLst xmlns:p15="http://schemas.microsoft.com/office/powerpoint/2012/main"/>
+    </p:ext>
+  </p:extLst>
 </p:presentation>
 </file>
 
@@ -161,7 +170,7 @@
           <a:noFill/>
           <a:extLst>
             <a:ext uri="{909E8E84-426E-40dd-AFC4-6F175D3DCCD1}">
-              <a14:hiddenFill xmlns:a14="http://schemas.microsoft.com/office/drawing/2010/main" xmlns="">
+              <a14:hiddenFill xmlns="" xmlns:a14="http://schemas.microsoft.com/office/drawing/2010/main">
                 <a:solidFill>
                   <a:srgbClr val="FFFFFF"/>
                 </a:solidFill>
@@ -221,7 +230,7 @@
             </a:ln>
             <a:extLst>
               <a:ext uri="{91240B29-F687-4f45-9708-019B960494DF}">
-                <a14:hiddenLine xmlns:a14="http://schemas.microsoft.com/office/drawing/2010/main" xmlns="" w="9525">
+                <a14:hiddenLine xmlns="" xmlns:a14="http://schemas.microsoft.com/office/drawing/2010/main" w="9525">
                   <a:solidFill>
                     <a:srgbClr val="000000"/>
                   </a:solidFill>
@@ -311,7 +320,7 @@
             </a:ln>
             <a:extLst>
               <a:ext uri="{91240B29-F687-4f45-9708-019B960494DF}">
-                <a14:hiddenLine xmlns:a14="http://schemas.microsoft.com/office/drawing/2010/main" xmlns="" w="9525">
+                <a14:hiddenLine xmlns="" xmlns:a14="http://schemas.microsoft.com/office/drawing/2010/main" w="9525">
                   <a:solidFill>
                     <a:srgbClr val="000000"/>
                   </a:solidFill>
@@ -401,7 +410,7 @@
             </a:ln>
             <a:extLst>
               <a:ext uri="{91240B29-F687-4f45-9708-019B960494DF}">
-                <a14:hiddenLine xmlns:a14="http://schemas.microsoft.com/office/drawing/2010/main" xmlns="" w="9525">
+                <a14:hiddenLine xmlns="" xmlns:a14="http://schemas.microsoft.com/office/drawing/2010/main" w="9525">
                   <a:solidFill>
                     <a:srgbClr val="000000"/>
                   </a:solidFill>
@@ -435,7 +444,7 @@
             </a:ln>
             <a:extLst>
               <a:ext uri="{91240B29-F687-4f45-9708-019B960494DF}">
-                <a14:hiddenLine xmlns:a14="http://schemas.microsoft.com/office/drawing/2010/main" xmlns="" w="9525">
+                <a14:hiddenLine xmlns="" xmlns:a14="http://schemas.microsoft.com/office/drawing/2010/main" w="9525">
                   <a:solidFill>
                     <a:srgbClr val="000000"/>
                   </a:solidFill>
@@ -525,7 +534,7 @@
             </a:ln>
             <a:extLst>
               <a:ext uri="{91240B29-F687-4f45-9708-019B960494DF}">
-                <a14:hiddenLine xmlns:a14="http://schemas.microsoft.com/office/drawing/2010/main" xmlns="" w="9525">
+                <a14:hiddenLine xmlns="" xmlns:a14="http://schemas.microsoft.com/office/drawing/2010/main" w="9525">
                   <a:solidFill>
                     <a:srgbClr val="000000"/>
                   </a:solidFill>
@@ -587,7 +596,7 @@
             </a:ln>
             <a:extLst>
               <a:ext uri="{91240B29-F687-4f45-9708-019B960494DF}">
-                <a14:hiddenLine xmlns:a14="http://schemas.microsoft.com/office/drawing/2010/main" xmlns="" w="9525">
+                <a14:hiddenLine xmlns="" xmlns:a14="http://schemas.microsoft.com/office/drawing/2010/main" w="9525">
                   <a:solidFill>
                     <a:srgbClr val="000000"/>
                   </a:solidFill>
@@ -649,7 +658,7 @@
             </a:ln>
             <a:extLst>
               <a:ext uri="{91240B29-F687-4f45-9708-019B960494DF}">
-                <a14:hiddenLine xmlns:a14="http://schemas.microsoft.com/office/drawing/2010/main" xmlns="" w="9525">
+                <a14:hiddenLine xmlns="" xmlns:a14="http://schemas.microsoft.com/office/drawing/2010/main" w="9525">
                   <a:solidFill>
                     <a:srgbClr val="000000"/>
                   </a:solidFill>
@@ -739,7 +748,7 @@
             </a:ln>
             <a:extLst>
               <a:ext uri="{91240B29-F687-4f45-9708-019B960494DF}">
-                <a14:hiddenLine xmlns:a14="http://schemas.microsoft.com/office/drawing/2010/main" xmlns="" w="9525">
+                <a14:hiddenLine xmlns="" xmlns:a14="http://schemas.microsoft.com/office/drawing/2010/main" w="9525">
                   <a:solidFill>
                     <a:srgbClr val="000000"/>
                   </a:solidFill>
@@ -801,7 +810,7 @@
             </a:ln>
             <a:extLst>
               <a:ext uri="{91240B29-F687-4f45-9708-019B960494DF}">
-                <a14:hiddenLine xmlns:a14="http://schemas.microsoft.com/office/drawing/2010/main" xmlns="" w="9525">
+                <a14:hiddenLine xmlns="" xmlns:a14="http://schemas.microsoft.com/office/drawing/2010/main" w="9525">
                   <a:solidFill>
                     <a:srgbClr val="000000"/>
                   </a:solidFill>
@@ -863,7 +872,7 @@
             </a:ln>
             <a:extLst>
               <a:ext uri="{91240B29-F687-4f45-9708-019B960494DF}">
-                <a14:hiddenLine xmlns:a14="http://schemas.microsoft.com/office/drawing/2010/main" xmlns="" w="9525">
+                <a14:hiddenLine xmlns="" xmlns:a14="http://schemas.microsoft.com/office/drawing/2010/main" w="9525">
                   <a:solidFill>
                     <a:srgbClr val="000000"/>
                   </a:solidFill>
@@ -953,7 +962,7 @@
             </a:ln>
             <a:extLst>
               <a:ext uri="{91240B29-F687-4f45-9708-019B960494DF}">
-                <a14:hiddenLine xmlns:a14="http://schemas.microsoft.com/office/drawing/2010/main" xmlns="" w="9525">
+                <a14:hiddenLine xmlns="" xmlns:a14="http://schemas.microsoft.com/office/drawing/2010/main" w="9525">
                   <a:solidFill>
                     <a:srgbClr val="000000"/>
                   </a:solidFill>
@@ -1043,7 +1052,7 @@
             </a:ln>
             <a:extLst>
               <a:ext uri="{91240B29-F687-4f45-9708-019B960494DF}">
-                <a14:hiddenLine xmlns:a14="http://schemas.microsoft.com/office/drawing/2010/main" xmlns="" w="9525">
+                <a14:hiddenLine xmlns="" xmlns:a14="http://schemas.microsoft.com/office/drawing/2010/main" w="9525">
                   <a:solidFill>
                     <a:srgbClr val="000000"/>
                   </a:solidFill>
@@ -1105,7 +1114,7 @@
             </a:ln>
             <a:extLst>
               <a:ext uri="{91240B29-F687-4f45-9708-019B960494DF}">
-                <a14:hiddenLine xmlns:a14="http://schemas.microsoft.com/office/drawing/2010/main" xmlns="" w="9525">
+                <a14:hiddenLine xmlns="" xmlns:a14="http://schemas.microsoft.com/office/drawing/2010/main" w="9525">
                   <a:solidFill>
                     <a:srgbClr val="000000"/>
                   </a:solidFill>
@@ -1215,7 +1224,7 @@
             </a:ln>
             <a:extLst>
               <a:ext uri="{91240B29-F687-4f45-9708-019B960494DF}">
-                <a14:hiddenLine xmlns:a14="http://schemas.microsoft.com/office/drawing/2010/main" xmlns="" w="9525">
+                <a14:hiddenLine xmlns="" xmlns:a14="http://schemas.microsoft.com/office/drawing/2010/main" w="9525">
                   <a:solidFill>
                     <a:srgbClr val="000000"/>
                   </a:solidFill>
@@ -1277,7 +1286,7 @@
             </a:ln>
             <a:extLst>
               <a:ext uri="{91240B29-F687-4f45-9708-019B960494DF}">
-                <a14:hiddenLine xmlns:a14="http://schemas.microsoft.com/office/drawing/2010/main" xmlns="" w="9525">
+                <a14:hiddenLine xmlns="" xmlns:a14="http://schemas.microsoft.com/office/drawing/2010/main" w="9525">
                   <a:solidFill>
                     <a:srgbClr val="000000"/>
                   </a:solidFill>
@@ -1367,7 +1376,7 @@
             </a:ln>
             <a:extLst>
               <a:ext uri="{91240B29-F687-4f45-9708-019B960494DF}">
-                <a14:hiddenLine xmlns:a14="http://schemas.microsoft.com/office/drawing/2010/main" xmlns="" w="9525">
+                <a14:hiddenLine xmlns="" xmlns:a14="http://schemas.microsoft.com/office/drawing/2010/main" w="9525">
                   <a:solidFill>
                     <a:srgbClr val="000000"/>
                   </a:solidFill>
@@ -1457,7 +1466,7 @@
             </a:ln>
             <a:extLst>
               <a:ext uri="{91240B29-F687-4f45-9708-019B960494DF}">
-                <a14:hiddenLine xmlns:a14="http://schemas.microsoft.com/office/drawing/2010/main" xmlns="" w="9525">
+                <a14:hiddenLine xmlns="" xmlns:a14="http://schemas.microsoft.com/office/drawing/2010/main" w="9525">
                   <a:solidFill>
                     <a:srgbClr val="000000"/>
                   </a:solidFill>
@@ -1519,7 +1528,7 @@
             </a:ln>
             <a:extLst>
               <a:ext uri="{91240B29-F687-4f45-9708-019B960494DF}">
-                <a14:hiddenLine xmlns:a14="http://schemas.microsoft.com/office/drawing/2010/main" xmlns="" w="9525">
+                <a14:hiddenLine xmlns="" xmlns:a14="http://schemas.microsoft.com/office/drawing/2010/main" w="9525">
                   <a:solidFill>
                     <a:srgbClr val="000000"/>
                   </a:solidFill>
@@ -1609,7 +1618,7 @@
             </a:ln>
             <a:extLst>
               <a:ext uri="{91240B29-F687-4f45-9708-019B960494DF}">
-                <a14:hiddenLine xmlns:a14="http://schemas.microsoft.com/office/drawing/2010/main" xmlns="" w="9525">
+                <a14:hiddenLine xmlns="" xmlns:a14="http://schemas.microsoft.com/office/drawing/2010/main" w="9525">
                   <a:solidFill>
                     <a:srgbClr val="000000"/>
                   </a:solidFill>
@@ -1699,7 +1708,7 @@
             </a:ln>
             <a:extLst>
               <a:ext uri="{91240B29-F687-4f45-9708-019B960494DF}">
-                <a14:hiddenLine xmlns:a14="http://schemas.microsoft.com/office/drawing/2010/main" xmlns="" w="9525">
+                <a14:hiddenLine xmlns="" xmlns:a14="http://schemas.microsoft.com/office/drawing/2010/main" w="9525">
                   <a:solidFill>
                     <a:srgbClr val="000000"/>
                   </a:solidFill>
@@ -1755,7 +1764,7 @@
             </a:ln>
             <a:extLst>
               <a:ext uri="{91240B29-F687-4f45-9708-019B960494DF}">
-                <a14:hiddenLine xmlns:a14="http://schemas.microsoft.com/office/drawing/2010/main" xmlns="" w="9525">
+                <a14:hiddenLine xmlns="" xmlns:a14="http://schemas.microsoft.com/office/drawing/2010/main" w="9525">
                   <a:solidFill>
                     <a:srgbClr val="000000"/>
                   </a:solidFill>
@@ -1845,7 +1854,7 @@
             </a:ln>
             <a:extLst>
               <a:ext uri="{91240B29-F687-4f45-9708-019B960494DF}">
-                <a14:hiddenLine xmlns:a14="http://schemas.microsoft.com/office/drawing/2010/main" xmlns="" w="9525">
+                <a14:hiddenLine xmlns="" xmlns:a14="http://schemas.microsoft.com/office/drawing/2010/main" w="9525">
                   <a:solidFill>
                     <a:srgbClr val="000000"/>
                   </a:solidFill>
@@ -1901,7 +1910,7 @@
             </a:ln>
             <a:extLst>
               <a:ext uri="{91240B29-F687-4f45-9708-019B960494DF}">
-                <a14:hiddenLine xmlns:a14="http://schemas.microsoft.com/office/drawing/2010/main" xmlns="" w="9525">
+                <a14:hiddenLine xmlns="" xmlns:a14="http://schemas.microsoft.com/office/drawing/2010/main" w="9525">
                   <a:solidFill>
                     <a:srgbClr val="000000"/>
                   </a:solidFill>
@@ -1991,7 +2000,7 @@
             </a:ln>
             <a:extLst>
               <a:ext uri="{91240B29-F687-4f45-9708-019B960494DF}">
-                <a14:hiddenLine xmlns:a14="http://schemas.microsoft.com/office/drawing/2010/main" xmlns="" w="9525">
+                <a14:hiddenLine xmlns="" xmlns:a14="http://schemas.microsoft.com/office/drawing/2010/main" w="9525">
                   <a:solidFill>
                     <a:srgbClr val="000000"/>
                   </a:solidFill>
@@ -2059,7 +2068,7 @@
             </a:ln>
             <a:extLst>
               <a:ext uri="{91240B29-F687-4f45-9708-019B960494DF}">
-                <a14:hiddenLine xmlns:a14="http://schemas.microsoft.com/office/drawing/2010/main" xmlns="" w="9525">
+                <a14:hiddenLine xmlns="" xmlns:a14="http://schemas.microsoft.com/office/drawing/2010/main" w="9525">
                   <a:solidFill>
                     <a:srgbClr val="000000"/>
                   </a:solidFill>
@@ -2149,7 +2158,7 @@
             </a:ln>
             <a:extLst>
               <a:ext uri="{91240B29-F687-4f45-9708-019B960494DF}">
-                <a14:hiddenLine xmlns:a14="http://schemas.microsoft.com/office/drawing/2010/main" xmlns="" w="9525">
+                <a14:hiddenLine xmlns="" xmlns:a14="http://schemas.microsoft.com/office/drawing/2010/main" w="9525">
                   <a:solidFill>
                     <a:srgbClr val="000000"/>
                   </a:solidFill>
@@ -2217,7 +2226,7 @@
             </a:ln>
             <a:extLst>
               <a:ext uri="{91240B29-F687-4f45-9708-019B960494DF}">
-                <a14:hiddenLine xmlns:a14="http://schemas.microsoft.com/office/drawing/2010/main" xmlns="" w="9525">
+                <a14:hiddenLine xmlns="" xmlns:a14="http://schemas.microsoft.com/office/drawing/2010/main" w="9525">
                   <a:solidFill>
                     <a:srgbClr val="000000"/>
                   </a:solidFill>
@@ -2307,7 +2316,7 @@
             </a:ln>
             <a:extLst>
               <a:ext uri="{91240B29-F687-4f45-9708-019B960494DF}">
-                <a14:hiddenLine xmlns:a14="http://schemas.microsoft.com/office/drawing/2010/main" xmlns="" w="9525">
+                <a14:hiddenLine xmlns="" xmlns:a14="http://schemas.microsoft.com/office/drawing/2010/main" w="9525">
                   <a:solidFill>
                     <a:srgbClr val="000000"/>
                   </a:solidFill>
@@ -2341,7 +2350,7 @@
             </a:ln>
             <a:extLst>
               <a:ext uri="{91240B29-F687-4f45-9708-019B960494DF}">
-                <a14:hiddenLine xmlns:a14="http://schemas.microsoft.com/office/drawing/2010/main" xmlns="" w="9525">
+                <a14:hiddenLine xmlns="" xmlns:a14="http://schemas.microsoft.com/office/drawing/2010/main" w="9525">
                   <a:solidFill>
                     <a:srgbClr val="000000"/>
                   </a:solidFill>
@@ -2431,7 +2440,7 @@
             </a:ln>
             <a:extLst>
               <a:ext uri="{91240B29-F687-4f45-9708-019B960494DF}">
-                <a14:hiddenLine xmlns:a14="http://schemas.microsoft.com/office/drawing/2010/main" xmlns="" w="9525">
+                <a14:hiddenLine xmlns="" xmlns:a14="http://schemas.microsoft.com/office/drawing/2010/main" w="9525">
                   <a:solidFill>
                     <a:srgbClr val="000000"/>
                   </a:solidFill>
@@ -2493,7 +2502,7 @@
             </a:ln>
             <a:extLst>
               <a:ext uri="{91240B29-F687-4f45-9708-019B960494DF}">
-                <a14:hiddenLine xmlns:a14="http://schemas.microsoft.com/office/drawing/2010/main" xmlns="" w="9525">
+                <a14:hiddenLine xmlns="" xmlns:a14="http://schemas.microsoft.com/office/drawing/2010/main" w="9525">
                   <a:solidFill>
                     <a:srgbClr val="000000"/>
                   </a:solidFill>
@@ -2555,7 +2564,7 @@
             </a:ln>
             <a:extLst>
               <a:ext uri="{91240B29-F687-4f45-9708-019B960494DF}">
-                <a14:hiddenLine xmlns:a14="http://schemas.microsoft.com/office/drawing/2010/main" xmlns="" w="9525">
+                <a14:hiddenLine xmlns="" xmlns:a14="http://schemas.microsoft.com/office/drawing/2010/main" w="9525">
                   <a:solidFill>
                     <a:srgbClr val="000000"/>
                   </a:solidFill>
@@ -2645,7 +2654,7 @@
             </a:ln>
             <a:extLst>
               <a:ext uri="{91240B29-F687-4f45-9708-019B960494DF}">
-                <a14:hiddenLine xmlns:a14="http://schemas.microsoft.com/office/drawing/2010/main" xmlns="" w="9525">
+                <a14:hiddenLine xmlns="" xmlns:a14="http://schemas.microsoft.com/office/drawing/2010/main" w="9525">
                   <a:solidFill>
                     <a:srgbClr val="000000"/>
                   </a:solidFill>
@@ -2713,7 +2722,7 @@
             </a:ln>
             <a:extLst>
               <a:ext uri="{91240B29-F687-4f45-9708-019B960494DF}">
-                <a14:hiddenLine xmlns:a14="http://schemas.microsoft.com/office/drawing/2010/main" xmlns="" w="9525">
+                <a14:hiddenLine xmlns="" xmlns:a14="http://schemas.microsoft.com/office/drawing/2010/main" w="9525">
                   <a:solidFill>
                     <a:srgbClr val="000000"/>
                   </a:solidFill>
@@ -2775,7 +2784,7 @@
             </a:ln>
             <a:extLst>
               <a:ext uri="{91240B29-F687-4f45-9708-019B960494DF}">
-                <a14:hiddenLine xmlns:a14="http://schemas.microsoft.com/office/drawing/2010/main" xmlns="" w="9525">
+                <a14:hiddenLine xmlns="" xmlns:a14="http://schemas.microsoft.com/office/drawing/2010/main" w="9525">
                   <a:solidFill>
                     <a:srgbClr val="000000"/>
                   </a:solidFill>
@@ -2865,7 +2874,7 @@
             </a:ln>
             <a:extLst>
               <a:ext uri="{91240B29-F687-4f45-9708-019B960494DF}">
-                <a14:hiddenLine xmlns:a14="http://schemas.microsoft.com/office/drawing/2010/main" xmlns="" w="9525">
+                <a14:hiddenLine xmlns="" xmlns:a14="http://schemas.microsoft.com/office/drawing/2010/main" w="9525">
                   <a:solidFill>
                     <a:srgbClr val="000000"/>
                   </a:solidFill>
@@ -2927,7 +2936,7 @@
             </a:ln>
             <a:extLst>
               <a:ext uri="{91240B29-F687-4f45-9708-019B960494DF}">
-                <a14:hiddenLine xmlns:a14="http://schemas.microsoft.com/office/drawing/2010/main" xmlns="" w="9525">
+                <a14:hiddenLine xmlns="" xmlns:a14="http://schemas.microsoft.com/office/drawing/2010/main" w="9525">
                   <a:solidFill>
                     <a:srgbClr val="000000"/>
                   </a:solidFill>
@@ -3017,7 +3026,7 @@
             </a:ln>
             <a:extLst>
               <a:ext uri="{91240B29-F687-4f45-9708-019B960494DF}">
-                <a14:hiddenLine xmlns:a14="http://schemas.microsoft.com/office/drawing/2010/main" xmlns="" w="9525">
+                <a14:hiddenLine xmlns="" xmlns:a14="http://schemas.microsoft.com/office/drawing/2010/main" w="9525">
                   <a:solidFill>
                     <a:srgbClr val="000000"/>
                   </a:solidFill>
@@ -3079,7 +3088,7 @@
             </a:ln>
             <a:extLst>
               <a:ext uri="{91240B29-F687-4f45-9708-019B960494DF}">
-                <a14:hiddenLine xmlns:a14="http://schemas.microsoft.com/office/drawing/2010/main" xmlns="" w="9525">
+                <a14:hiddenLine xmlns="" xmlns:a14="http://schemas.microsoft.com/office/drawing/2010/main" w="9525">
                   <a:solidFill>
                     <a:srgbClr val="000000"/>
                   </a:solidFill>
@@ -3169,7 +3178,7 @@
             </a:ln>
             <a:extLst>
               <a:ext uri="{91240B29-F687-4f45-9708-019B960494DF}">
-                <a14:hiddenLine xmlns:a14="http://schemas.microsoft.com/office/drawing/2010/main" xmlns="" w="9525">
+                <a14:hiddenLine xmlns="" xmlns:a14="http://schemas.microsoft.com/office/drawing/2010/main" w="9525">
                   <a:solidFill>
                     <a:srgbClr val="000000"/>
                   </a:solidFill>
@@ -3203,7 +3212,7 @@
             </a:ln>
             <a:extLst>
               <a:ext uri="{91240B29-F687-4f45-9708-019B960494DF}">
-                <a14:hiddenLine xmlns:a14="http://schemas.microsoft.com/office/drawing/2010/main" xmlns="" w="9525">
+                <a14:hiddenLine xmlns="" xmlns:a14="http://schemas.microsoft.com/office/drawing/2010/main" w="9525">
                   <a:solidFill>
                     <a:srgbClr val="000000"/>
                   </a:solidFill>
@@ -3268,7 +3277,7 @@
             </a:ln>
             <a:extLst>
               <a:ext uri="{91240B29-F687-4f45-9708-019B960494DF}">
-                <a14:hiddenLine xmlns:a14="http://schemas.microsoft.com/office/drawing/2010/main" xmlns="" w="9525">
+                <a14:hiddenLine xmlns="" xmlns:a14="http://schemas.microsoft.com/office/drawing/2010/main" w="9525">
                   <a:solidFill>
                     <a:srgbClr val="000000"/>
                   </a:solidFill>
@@ -3358,7 +3367,7 @@
             </a:ln>
             <a:extLst>
               <a:ext uri="{91240B29-F687-4f45-9708-019B960494DF}">
-                <a14:hiddenLine xmlns:a14="http://schemas.microsoft.com/office/drawing/2010/main" xmlns="" w="9525">
+                <a14:hiddenLine xmlns="" xmlns:a14="http://schemas.microsoft.com/office/drawing/2010/main" w="9525">
                   <a:solidFill>
                     <a:srgbClr val="000000"/>
                   </a:solidFill>
@@ -3420,7 +3429,7 @@
             </a:ln>
             <a:extLst>
               <a:ext uri="{91240B29-F687-4f45-9708-019B960494DF}">
-                <a14:hiddenLine xmlns:a14="http://schemas.microsoft.com/office/drawing/2010/main" xmlns="" w="9525">
+                <a14:hiddenLine xmlns="" xmlns:a14="http://schemas.microsoft.com/office/drawing/2010/main" w="9525">
                   <a:solidFill>
                     <a:srgbClr val="000000"/>
                   </a:solidFill>
@@ -3510,7 +3519,7 @@
             </a:ln>
             <a:extLst>
               <a:ext uri="{91240B29-F687-4f45-9708-019B960494DF}">
-                <a14:hiddenLine xmlns:a14="http://schemas.microsoft.com/office/drawing/2010/main" xmlns="" w="9525">
+                <a14:hiddenLine xmlns="" xmlns:a14="http://schemas.microsoft.com/office/drawing/2010/main" w="9525">
                   <a:solidFill>
                     <a:srgbClr val="000000"/>
                   </a:solidFill>
@@ -3600,7 +3609,7 @@
             </a:ln>
             <a:extLst>
               <a:ext uri="{91240B29-F687-4f45-9708-019B960494DF}">
-                <a14:hiddenLine xmlns:a14="http://schemas.microsoft.com/office/drawing/2010/main" xmlns="" w="9525">
+                <a14:hiddenLine xmlns="" xmlns:a14="http://schemas.microsoft.com/office/drawing/2010/main" w="9525">
                   <a:solidFill>
                     <a:srgbClr val="000000"/>
                   </a:solidFill>
@@ -3665,7 +3674,7 @@
             </a:ln>
             <a:extLst>
               <a:ext uri="{91240B29-F687-4f45-9708-019B960494DF}">
-                <a14:hiddenLine xmlns:a14="http://schemas.microsoft.com/office/drawing/2010/main" xmlns="" w="9525">
+                <a14:hiddenLine xmlns="" xmlns:a14="http://schemas.microsoft.com/office/drawing/2010/main" w="9525">
                   <a:solidFill>
                     <a:srgbClr val="000000"/>
                   </a:solidFill>
@@ -3727,7 +3736,7 @@
             </a:ln>
             <a:extLst>
               <a:ext uri="{91240B29-F687-4f45-9708-019B960494DF}">
-                <a14:hiddenLine xmlns:a14="http://schemas.microsoft.com/office/drawing/2010/main" xmlns="" w="9525">
+                <a14:hiddenLine xmlns="" xmlns:a14="http://schemas.microsoft.com/office/drawing/2010/main" w="9525">
                   <a:solidFill>
                     <a:srgbClr val="000000"/>
                   </a:solidFill>
@@ -3817,7 +3826,7 @@
             </a:ln>
             <a:extLst>
               <a:ext uri="{91240B29-F687-4f45-9708-019B960494DF}">
-                <a14:hiddenLine xmlns:a14="http://schemas.microsoft.com/office/drawing/2010/main" xmlns="" w="9525">
+                <a14:hiddenLine xmlns="" xmlns:a14="http://schemas.microsoft.com/office/drawing/2010/main" w="9525">
                   <a:solidFill>
                     <a:srgbClr val="000000"/>
                   </a:solidFill>
@@ -3907,7 +3916,7 @@
             </a:ln>
             <a:extLst>
               <a:ext uri="{91240B29-F687-4f45-9708-019B960494DF}">
-                <a14:hiddenLine xmlns:a14="http://schemas.microsoft.com/office/drawing/2010/main" xmlns="" w="9525">
+                <a14:hiddenLine xmlns="" xmlns:a14="http://schemas.microsoft.com/office/drawing/2010/main" w="9525">
                   <a:solidFill>
                     <a:srgbClr val="000000"/>
                   </a:solidFill>
@@ -3969,7 +3978,7 @@
             </a:ln>
             <a:extLst>
               <a:ext uri="{91240B29-F687-4f45-9708-019B960494DF}">
-                <a14:hiddenLine xmlns:a14="http://schemas.microsoft.com/office/drawing/2010/main" xmlns="" w="9525">
+                <a14:hiddenLine xmlns="" xmlns:a14="http://schemas.microsoft.com/office/drawing/2010/main" w="9525">
                   <a:solidFill>
                     <a:srgbClr val="000000"/>
                   </a:solidFill>
@@ -4089,7 +4098,7 @@
             </a:ln>
             <a:extLst>
               <a:ext uri="{91240B29-F687-4f45-9708-019B960494DF}">
-                <a14:hiddenLine xmlns:a14="http://schemas.microsoft.com/office/drawing/2010/main" xmlns="" w="9525">
+                <a14:hiddenLine xmlns="" xmlns:a14="http://schemas.microsoft.com/office/drawing/2010/main" w="9525">
                   <a:solidFill>
                     <a:srgbClr val="000000"/>
                   </a:solidFill>
@@ -4157,7 +4166,7 @@
             </a:ln>
             <a:extLst>
               <a:ext uri="{91240B29-F687-4f45-9708-019B960494DF}">
-                <a14:hiddenLine xmlns:a14="http://schemas.microsoft.com/office/drawing/2010/main" xmlns="" w="9525">
+                <a14:hiddenLine xmlns="" xmlns:a14="http://schemas.microsoft.com/office/drawing/2010/main" w="9525">
                   <a:solidFill>
                     <a:srgbClr val="000000"/>
                   </a:solidFill>
@@ -4247,7 +4256,7 @@
             </a:ln>
             <a:extLst>
               <a:ext uri="{91240B29-F687-4f45-9708-019B960494DF}">
-                <a14:hiddenLine xmlns:a14="http://schemas.microsoft.com/office/drawing/2010/main" xmlns="" w="9525">
+                <a14:hiddenLine xmlns="" xmlns:a14="http://schemas.microsoft.com/office/drawing/2010/main" w="9525">
                   <a:solidFill>
                     <a:srgbClr val="000000"/>
                   </a:solidFill>
@@ -8969,7 +8978,7 @@
           <a:noFill/>
           <a:extLst>
             <a:ext uri="{909E8E84-426E-40dd-AFC4-6F175D3DCCD1}">
-              <a14:hiddenFill xmlns:a14="http://schemas.microsoft.com/office/drawing/2010/main" xmlns="">
+              <a14:hiddenFill xmlns="" xmlns:a14="http://schemas.microsoft.com/office/drawing/2010/main">
                 <a:solidFill>
                   <a:srgbClr val="FFFFFF"/>
                 </a:solidFill>
@@ -9043,7 +9052,7 @@
               </a:ln>
               <a:extLst>
                 <a:ext uri="{91240B29-F687-4f45-9708-019B960494DF}">
-                  <a14:hiddenLine xmlns:a14="http://schemas.microsoft.com/office/drawing/2010/main" xmlns="" w="9525">
+                  <a14:hiddenLine xmlns="" xmlns:a14="http://schemas.microsoft.com/office/drawing/2010/main" w="9525">
                     <a:solidFill>
                       <a:srgbClr val="000000"/>
                     </a:solidFill>
@@ -9133,7 +9142,7 @@
               </a:ln>
               <a:extLst>
                 <a:ext uri="{91240B29-F687-4f45-9708-019B960494DF}">
-                  <a14:hiddenLine xmlns:a14="http://schemas.microsoft.com/office/drawing/2010/main" xmlns="" w="9525">
+                  <a14:hiddenLine xmlns="" xmlns:a14="http://schemas.microsoft.com/office/drawing/2010/main" w="9525">
                     <a:solidFill>
                       <a:srgbClr val="000000"/>
                     </a:solidFill>
@@ -9223,7 +9232,7 @@
               </a:ln>
               <a:extLst>
                 <a:ext uri="{91240B29-F687-4f45-9708-019B960494DF}">
-                  <a14:hiddenLine xmlns:a14="http://schemas.microsoft.com/office/drawing/2010/main" xmlns="" w="9525">
+                  <a14:hiddenLine xmlns="" xmlns:a14="http://schemas.microsoft.com/office/drawing/2010/main" w="9525">
                     <a:solidFill>
                       <a:srgbClr val="000000"/>
                     </a:solidFill>
@@ -9285,7 +9294,7 @@
               </a:ln>
               <a:extLst>
                 <a:ext uri="{91240B29-F687-4f45-9708-019B960494DF}">
-                  <a14:hiddenLine xmlns:a14="http://schemas.microsoft.com/office/drawing/2010/main" xmlns="" w="9525">
+                  <a14:hiddenLine xmlns="" xmlns:a14="http://schemas.microsoft.com/office/drawing/2010/main" w="9525">
                     <a:solidFill>
                       <a:srgbClr val="000000"/>
                     </a:solidFill>
@@ -9375,7 +9384,7 @@
               </a:ln>
               <a:extLst>
                 <a:ext uri="{91240B29-F687-4f45-9708-019B960494DF}">
-                  <a14:hiddenLine xmlns:a14="http://schemas.microsoft.com/office/drawing/2010/main" xmlns="" w="9525">
+                  <a14:hiddenLine xmlns="" xmlns:a14="http://schemas.microsoft.com/office/drawing/2010/main" w="9525">
                     <a:solidFill>
                       <a:srgbClr val="000000"/>
                     </a:solidFill>
@@ -9437,7 +9446,7 @@
               </a:ln>
               <a:extLst>
                 <a:ext uri="{91240B29-F687-4f45-9708-019B960494DF}">
-                  <a14:hiddenLine xmlns:a14="http://schemas.microsoft.com/office/drawing/2010/main" xmlns="" w="9525">
+                  <a14:hiddenLine xmlns="" xmlns:a14="http://schemas.microsoft.com/office/drawing/2010/main" w="9525">
                     <a:solidFill>
                       <a:srgbClr val="000000"/>
                     </a:solidFill>
@@ -9499,7 +9508,7 @@
               </a:ln>
               <a:extLst>
                 <a:ext uri="{91240B29-F687-4f45-9708-019B960494DF}">
-                  <a14:hiddenLine xmlns:a14="http://schemas.microsoft.com/office/drawing/2010/main" xmlns="" w="9525">
+                  <a14:hiddenLine xmlns="" xmlns:a14="http://schemas.microsoft.com/office/drawing/2010/main" w="9525">
                     <a:solidFill>
                       <a:srgbClr val="000000"/>
                     </a:solidFill>
@@ -9589,7 +9598,7 @@
               </a:ln>
               <a:extLst>
                 <a:ext uri="{91240B29-F687-4f45-9708-019B960494DF}">
-                  <a14:hiddenLine xmlns:a14="http://schemas.microsoft.com/office/drawing/2010/main" xmlns="" w="9525">
+                  <a14:hiddenLine xmlns="" xmlns:a14="http://schemas.microsoft.com/office/drawing/2010/main" w="9525">
                     <a:solidFill>
                       <a:srgbClr val="000000"/>
                     </a:solidFill>
@@ -9679,7 +9688,7 @@
               </a:ln>
               <a:extLst>
                 <a:ext uri="{91240B29-F687-4f45-9708-019B960494DF}">
-                  <a14:hiddenLine xmlns:a14="http://schemas.microsoft.com/office/drawing/2010/main" xmlns="" w="9525">
+                  <a14:hiddenLine xmlns="" xmlns:a14="http://schemas.microsoft.com/office/drawing/2010/main" w="9525">
                     <a:solidFill>
                       <a:srgbClr val="000000"/>
                     </a:solidFill>
@@ -9741,7 +9750,7 @@
               </a:ln>
               <a:extLst>
                 <a:ext uri="{91240B29-F687-4f45-9708-019B960494DF}">
-                  <a14:hiddenLine xmlns:a14="http://schemas.microsoft.com/office/drawing/2010/main" xmlns="" w="9525">
+                  <a14:hiddenLine xmlns="" xmlns:a14="http://schemas.microsoft.com/office/drawing/2010/main" w="9525">
                     <a:solidFill>
                       <a:srgbClr val="000000"/>
                     </a:solidFill>
@@ -9851,7 +9860,7 @@
               </a:ln>
               <a:extLst>
                 <a:ext uri="{91240B29-F687-4f45-9708-019B960494DF}">
-                  <a14:hiddenLine xmlns:a14="http://schemas.microsoft.com/office/drawing/2010/main" xmlns="" w="9525">
+                  <a14:hiddenLine xmlns="" xmlns:a14="http://schemas.microsoft.com/office/drawing/2010/main" w="9525">
                     <a:solidFill>
                       <a:srgbClr val="000000"/>
                     </a:solidFill>
@@ -9935,7 +9944,7 @@
               </a:ln>
               <a:extLst>
                 <a:ext uri="{91240B29-F687-4f45-9708-019B960494DF}">
-                  <a14:hiddenLine xmlns:a14="http://schemas.microsoft.com/office/drawing/2010/main" xmlns="" w="9525">
+                  <a14:hiddenLine xmlns="" xmlns:a14="http://schemas.microsoft.com/office/drawing/2010/main" w="9525">
                     <a:solidFill>
                       <a:srgbClr val="000000"/>
                     </a:solidFill>
@@ -9997,7 +10006,7 @@
               </a:ln>
               <a:extLst>
                 <a:ext uri="{91240B29-F687-4f45-9708-019B960494DF}">
-                  <a14:hiddenLine xmlns:a14="http://schemas.microsoft.com/office/drawing/2010/main" xmlns="" w="9525">
+                  <a14:hiddenLine xmlns="" xmlns:a14="http://schemas.microsoft.com/office/drawing/2010/main" w="9525">
                     <a:solidFill>
                       <a:srgbClr val="000000"/>
                     </a:solidFill>
@@ -10059,7 +10068,7 @@
               </a:ln>
               <a:extLst>
                 <a:ext uri="{91240B29-F687-4f45-9708-019B960494DF}">
-                  <a14:hiddenLine xmlns:a14="http://schemas.microsoft.com/office/drawing/2010/main" xmlns="" w="9525">
+                  <a14:hiddenLine xmlns="" xmlns:a14="http://schemas.microsoft.com/office/drawing/2010/main" w="9525">
                     <a:solidFill>
                       <a:srgbClr val="000000"/>
                     </a:solidFill>
@@ -10149,7 +10158,7 @@
               </a:ln>
               <a:extLst>
                 <a:ext uri="{91240B29-F687-4f45-9708-019B960494DF}">
-                  <a14:hiddenLine xmlns:a14="http://schemas.microsoft.com/office/drawing/2010/main" xmlns="" w="9525">
+                  <a14:hiddenLine xmlns="" xmlns:a14="http://schemas.microsoft.com/office/drawing/2010/main" w="9525">
                     <a:solidFill>
                       <a:srgbClr val="000000"/>
                     </a:solidFill>
@@ -10183,7 +10192,7 @@
               </a:ln>
               <a:extLst>
                 <a:ext uri="{91240B29-F687-4f45-9708-019B960494DF}">
-                  <a14:hiddenLine xmlns:a14="http://schemas.microsoft.com/office/drawing/2010/main" xmlns="" w="9525">
+                  <a14:hiddenLine xmlns="" xmlns:a14="http://schemas.microsoft.com/office/drawing/2010/main" w="9525">
                     <a:solidFill>
                       <a:srgbClr val="000000"/>
                     </a:solidFill>
@@ -10248,7 +10257,7 @@
               </a:ln>
               <a:extLst>
                 <a:ext uri="{91240B29-F687-4f45-9708-019B960494DF}">
-                  <a14:hiddenLine xmlns:a14="http://schemas.microsoft.com/office/drawing/2010/main" xmlns="" w="9525">
+                  <a14:hiddenLine xmlns="" xmlns:a14="http://schemas.microsoft.com/office/drawing/2010/main" w="9525">
                     <a:solidFill>
                       <a:srgbClr val="000000"/>
                     </a:solidFill>
@@ -10338,7 +10347,7 @@
               </a:ln>
               <a:extLst>
                 <a:ext uri="{91240B29-F687-4f45-9708-019B960494DF}">
-                  <a14:hiddenLine xmlns:a14="http://schemas.microsoft.com/office/drawing/2010/main" xmlns="" w="9525">
+                  <a14:hiddenLine xmlns="" xmlns:a14="http://schemas.microsoft.com/office/drawing/2010/main" w="9525">
                     <a:solidFill>
                       <a:srgbClr val="000000"/>
                     </a:solidFill>
@@ -10400,7 +10409,7 @@
               </a:ln>
               <a:extLst>
                 <a:ext uri="{91240B29-F687-4f45-9708-019B960494DF}">
-                  <a14:hiddenLine xmlns:a14="http://schemas.microsoft.com/office/drawing/2010/main" xmlns="" w="9525">
+                  <a14:hiddenLine xmlns="" xmlns:a14="http://schemas.microsoft.com/office/drawing/2010/main" w="9525">
                     <a:solidFill>
                       <a:srgbClr val="000000"/>
                     </a:solidFill>
@@ -10490,7 +10499,7 @@
               </a:ln>
               <a:extLst>
                 <a:ext uri="{91240B29-F687-4f45-9708-019B960494DF}">
-                  <a14:hiddenLine xmlns:a14="http://schemas.microsoft.com/office/drawing/2010/main" xmlns="" w="9525">
+                  <a14:hiddenLine xmlns="" xmlns:a14="http://schemas.microsoft.com/office/drawing/2010/main" w="9525">
                     <a:solidFill>
                       <a:srgbClr val="000000"/>
                     </a:solidFill>
@@ -10555,7 +10564,7 @@
               </a:ln>
               <a:extLst>
                 <a:ext uri="{91240B29-F687-4f45-9708-019B960494DF}">
-                  <a14:hiddenLine xmlns:a14="http://schemas.microsoft.com/office/drawing/2010/main" xmlns="" w="9525">
+                  <a14:hiddenLine xmlns="" xmlns:a14="http://schemas.microsoft.com/office/drawing/2010/main" w="9525">
                     <a:solidFill>
                       <a:srgbClr val="000000"/>
                     </a:solidFill>
@@ -10617,7 +10626,7 @@
               </a:ln>
               <a:extLst>
                 <a:ext uri="{91240B29-F687-4f45-9708-019B960494DF}">
-                  <a14:hiddenLine xmlns:a14="http://schemas.microsoft.com/office/drawing/2010/main" xmlns="" w="9525">
+                  <a14:hiddenLine xmlns="" xmlns:a14="http://schemas.microsoft.com/office/drawing/2010/main" w="9525">
                     <a:solidFill>
                       <a:srgbClr val="000000"/>
                     </a:solidFill>
@@ -10707,7 +10716,7 @@
               </a:ln>
               <a:extLst>
                 <a:ext uri="{91240B29-F687-4f45-9708-019B960494DF}">
-                  <a14:hiddenLine xmlns:a14="http://schemas.microsoft.com/office/drawing/2010/main" xmlns="" w="9525">
+                  <a14:hiddenLine xmlns="" xmlns:a14="http://schemas.microsoft.com/office/drawing/2010/main" w="9525">
                     <a:solidFill>
                       <a:srgbClr val="000000"/>
                     </a:solidFill>
@@ -10797,7 +10806,7 @@
               </a:ln>
               <a:extLst>
                 <a:ext uri="{91240B29-F687-4f45-9708-019B960494DF}">
-                  <a14:hiddenLine xmlns:a14="http://schemas.microsoft.com/office/drawing/2010/main" xmlns="" w="9525">
+                  <a14:hiddenLine xmlns="" xmlns:a14="http://schemas.microsoft.com/office/drawing/2010/main" w="9525">
                     <a:solidFill>
                       <a:srgbClr val="000000"/>
                     </a:solidFill>
@@ -10862,7 +10871,7 @@
               </a:ln>
               <a:extLst>
                 <a:ext uri="{91240B29-F687-4f45-9708-019B960494DF}">
-                  <a14:hiddenLine xmlns:a14="http://schemas.microsoft.com/office/drawing/2010/main" xmlns="" w="9525">
+                  <a14:hiddenLine xmlns="" xmlns:a14="http://schemas.microsoft.com/office/drawing/2010/main" w="9525">
                     <a:solidFill>
                       <a:srgbClr val="000000"/>
                     </a:solidFill>
@@ -10982,7 +10991,7 @@
               </a:ln>
               <a:extLst>
                 <a:ext uri="{91240B29-F687-4f45-9708-019B960494DF}">
-                  <a14:hiddenLine xmlns:a14="http://schemas.microsoft.com/office/drawing/2010/main" xmlns="" w="9525">
+                  <a14:hiddenLine xmlns="" xmlns:a14="http://schemas.microsoft.com/office/drawing/2010/main" w="9525">
                     <a:solidFill>
                       <a:srgbClr val="000000"/>
                     </a:solidFill>
@@ -11080,7 +11089,7 @@
               </a:ln>
               <a:extLst>
                 <a:ext uri="{91240B29-F687-4f45-9708-019B960494DF}">
-                  <a14:hiddenLine xmlns:a14="http://schemas.microsoft.com/office/drawing/2010/main" xmlns="" w="9525">
+                  <a14:hiddenLine xmlns="" xmlns:a14="http://schemas.microsoft.com/office/drawing/2010/main" w="9525">
                     <a:solidFill>
                       <a:srgbClr val="000000"/>
                     </a:solidFill>
@@ -11195,7 +11204,7 @@
               </a:ln>
               <a:extLst>
                 <a:ext uri="{91240B29-F687-4f45-9708-019B960494DF}">
-                  <a14:hiddenLine xmlns:a14="http://schemas.microsoft.com/office/drawing/2010/main" xmlns="" w="9525">
+                  <a14:hiddenLine xmlns="" xmlns:a14="http://schemas.microsoft.com/office/drawing/2010/main" w="9525">
                     <a:solidFill>
                       <a:srgbClr val="000000"/>
                     </a:solidFill>
@@ -11285,7 +11294,7 @@
               </a:ln>
               <a:extLst>
                 <a:ext uri="{91240B29-F687-4f45-9708-019B960494DF}">
-                  <a14:hiddenLine xmlns:a14="http://schemas.microsoft.com/office/drawing/2010/main" xmlns="" w="9525">
+                  <a14:hiddenLine xmlns="" xmlns:a14="http://schemas.microsoft.com/office/drawing/2010/main" w="9525">
                     <a:solidFill>
                       <a:srgbClr val="000000"/>
                     </a:solidFill>
@@ -11350,7 +11359,7 @@
               </a:ln>
               <a:extLst>
                 <a:ext uri="{91240B29-F687-4f45-9708-019B960494DF}">
-                  <a14:hiddenLine xmlns:a14="http://schemas.microsoft.com/office/drawing/2010/main" xmlns="" w="9525">
+                  <a14:hiddenLine xmlns="" xmlns:a14="http://schemas.microsoft.com/office/drawing/2010/main" w="9525">
                     <a:solidFill>
                       <a:srgbClr val="000000"/>
                     </a:solidFill>
@@ -11440,7 +11449,7 @@
               </a:ln>
               <a:extLst>
                 <a:ext uri="{91240B29-F687-4f45-9708-019B960494DF}">
-                  <a14:hiddenLine xmlns:a14="http://schemas.microsoft.com/office/drawing/2010/main" xmlns="" w="9525">
+                  <a14:hiddenLine xmlns="" xmlns:a14="http://schemas.microsoft.com/office/drawing/2010/main" w="9525">
                     <a:solidFill>
                       <a:srgbClr val="000000"/>
                     </a:solidFill>
@@ -11508,7 +11517,7 @@
               </a:ln>
               <a:extLst>
                 <a:ext uri="{91240B29-F687-4f45-9708-019B960494DF}">
-                  <a14:hiddenLine xmlns:a14="http://schemas.microsoft.com/office/drawing/2010/main" xmlns="" w="9525">
+                  <a14:hiddenLine xmlns="" xmlns:a14="http://schemas.microsoft.com/office/drawing/2010/main" w="9525">
                     <a:solidFill>
                       <a:srgbClr val="000000"/>
                     </a:solidFill>
@@ -11598,7 +11607,7 @@
               </a:ln>
               <a:extLst>
                 <a:ext uri="{91240B29-F687-4f45-9708-019B960494DF}">
-                  <a14:hiddenLine xmlns:a14="http://schemas.microsoft.com/office/drawing/2010/main" xmlns="" w="9525">
+                  <a14:hiddenLine xmlns="" xmlns:a14="http://schemas.microsoft.com/office/drawing/2010/main" w="9525">
                     <a:solidFill>
                       <a:srgbClr val="000000"/>
                     </a:solidFill>
@@ -11666,7 +11675,7 @@
               </a:ln>
               <a:extLst>
                 <a:ext uri="{91240B29-F687-4f45-9708-019B960494DF}">
-                  <a14:hiddenLine xmlns:a14="http://schemas.microsoft.com/office/drawing/2010/main" xmlns="" w="9525">
+                  <a14:hiddenLine xmlns="" xmlns:a14="http://schemas.microsoft.com/office/drawing/2010/main" w="9525">
                     <a:solidFill>
                       <a:srgbClr val="000000"/>
                     </a:solidFill>
@@ -11756,7 +11765,7 @@
               </a:ln>
               <a:extLst>
                 <a:ext uri="{91240B29-F687-4f45-9708-019B960494DF}">
-                  <a14:hiddenLine xmlns:a14="http://schemas.microsoft.com/office/drawing/2010/main" xmlns="" w="9525">
+                  <a14:hiddenLine xmlns="" xmlns:a14="http://schemas.microsoft.com/office/drawing/2010/main" w="9525">
                     <a:solidFill>
                       <a:srgbClr val="000000"/>
                     </a:solidFill>
@@ -11790,7 +11799,7 @@
               </a:ln>
               <a:extLst>
                 <a:ext uri="{91240B29-F687-4f45-9708-019B960494DF}">
-                  <a14:hiddenLine xmlns:a14="http://schemas.microsoft.com/office/drawing/2010/main" xmlns="" w="9525">
+                  <a14:hiddenLine xmlns="" xmlns:a14="http://schemas.microsoft.com/office/drawing/2010/main" w="9525">
                     <a:solidFill>
                       <a:srgbClr val="000000"/>
                     </a:solidFill>
@@ -12446,7 +12455,12 @@
             <p:ph type="title"/>
           </p:nvPr>
         </p:nvSpPr>
-        <p:spPr/>
+        <p:spPr>
+          <a:xfrm>
+            <a:off x="1141413" y="618518"/>
+            <a:ext cx="9905998" cy="918734"/>
+          </a:xfrm>
+        </p:spPr>
         <p:txBody>
           <a:bodyPr/>
           <a:lstStyle/>
@@ -12468,7 +12482,12 @@
             <p:ph idx="1"/>
           </p:nvPr>
         </p:nvSpPr>
-        <p:spPr/>
+        <p:spPr>
+          <a:xfrm>
+            <a:off x="1141412" y="1537252"/>
+            <a:ext cx="9905999" cy="5115339"/>
+          </a:xfrm>
+        </p:spPr>
         <p:txBody>
           <a:bodyPr/>
           <a:lstStyle/>
@@ -12489,36 +12508,57 @@
           <a:p>
             <a:r>
               <a:rPr lang="en-US" dirty="0"/>
-              <a:t>There are 4 types of specificity</a:t>
+              <a:t>There are 4 types of specificity that are added up</a:t>
             </a:r>
           </a:p>
           <a:p>
             <a:pPr lvl="1"/>
             <a:r>
               <a:rPr lang="en-US" dirty="0"/>
-              <a:t>Inline</a:t>
+              <a:t>Inline = a</a:t>
             </a:r>
           </a:p>
           <a:p>
             <a:pPr lvl="1"/>
             <a:r>
               <a:rPr lang="en-US" dirty="0"/>
-              <a:t>IDs</a:t>
+              <a:t>IDs = b</a:t>
             </a:r>
           </a:p>
           <a:p>
             <a:pPr lvl="1"/>
             <a:r>
               <a:rPr lang="en-US" dirty="0"/>
-              <a:t>Classes</a:t>
+              <a:t>Classes = c</a:t>
             </a:r>
           </a:p>
           <a:p>
             <a:pPr lvl="1"/>
             <a:r>
               <a:rPr lang="en-US" dirty="0"/>
-              <a:t>Types</a:t>
-            </a:r>
+              <a:t>Types = d</a:t>
+            </a:r>
+          </a:p>
+          <a:p>
+            <a:r>
+              <a:rPr lang="en-US" dirty="0"/>
+              <a:t>Added by this situation:</a:t>
+            </a:r>
+          </a:p>
+          <a:p>
+            <a:pPr lvl="1"/>
+            <a:r>
+              <a:rPr lang="en-US" dirty="0"/>
+              <a:t>a, b, c, d</a:t>
+            </a:r>
+          </a:p>
+          <a:p>
+            <a:pPr lvl="1"/>
+            <a:r>
+              <a:rPr lang="en-US"/>
+              <a:t>A = 1000, B=100, C=10, D=1</a:t>
+            </a:r>
+            <a:endParaRPr lang="en-US" dirty="0"/>
           </a:p>
         </p:txBody>
       </p:sp>
@@ -12969,6 +13009,477 @@
     <p:extLst>
       <p:ext uri="{BB962C8B-B14F-4D97-AF65-F5344CB8AC3E}">
         <p14:creationId xmlns:p14="http://schemas.microsoft.com/office/powerpoint/2010/main" val="1812031519"/>
+      </p:ext>
+    </p:extLst>
+  </p:cSld>
+  <p:clrMapOvr>
+    <a:masterClrMapping/>
+  </p:clrMapOvr>
+</p:sld>
+</file>
+
+<file path=ppt/slides/slide6.xml><?xml version="1.0" encoding="utf-8"?>
+<p:sld xmlns:a="http://schemas.openxmlformats.org/drawingml/2006/main" xmlns:r="http://schemas.openxmlformats.org/officeDocument/2006/relationships" xmlns:p="http://schemas.openxmlformats.org/presentationml/2006/main">
+  <p:cSld>
+    <p:spTree>
+      <p:nvGrpSpPr>
+        <p:cNvPr id="1" name=""/>
+        <p:cNvGrpSpPr/>
+        <p:nvPr/>
+      </p:nvGrpSpPr>
+      <p:grpSpPr>
+        <a:xfrm>
+          <a:off x="0" y="0"/>
+          <a:ext cx="0" cy="0"/>
+          <a:chOff x="0" y="0"/>
+          <a:chExt cx="0" cy="0"/>
+        </a:xfrm>
+      </p:grpSpPr>
+      <p:sp>
+        <p:nvSpPr>
+          <p:cNvPr id="7" name="Title 6"/>
+          <p:cNvSpPr>
+            <a:spLocks noGrp="1"/>
+          </p:cNvSpPr>
+          <p:nvPr>
+            <p:ph type="title"/>
+          </p:nvPr>
+        </p:nvSpPr>
+        <p:spPr>
+          <a:xfrm>
+            <a:off x="2192561" y="450573"/>
+            <a:ext cx="5934508" cy="659225"/>
+          </a:xfrm>
+        </p:spPr>
+        <p:txBody>
+          <a:bodyPr>
+            <a:noAutofit/>
+          </a:bodyPr>
+          <a:lstStyle/>
+          <a:p>
+            <a:pPr algn="ctr"/>
+            <a:r>
+              <a:rPr lang="en-US" sz="4800" dirty="0"/>
+              <a:t>IDs</a:t>
+            </a:r>
+          </a:p>
+        </p:txBody>
+      </p:sp>
+      <p:sp>
+        <p:nvSpPr>
+          <p:cNvPr id="9" name="Text Placeholder 8"/>
+          <p:cNvSpPr>
+            <a:spLocks noGrp="1"/>
+          </p:cNvSpPr>
+          <p:nvPr>
+            <p:ph type="body" sz="half" idx="2"/>
+          </p:nvPr>
+        </p:nvSpPr>
+        <p:spPr>
+          <a:xfrm>
+            <a:off x="159026" y="2249486"/>
+            <a:ext cx="3903113" cy="3541714"/>
+          </a:xfrm>
+        </p:spPr>
+        <p:txBody>
+          <a:bodyPr>
+            <a:normAutofit/>
+          </a:bodyPr>
+          <a:lstStyle/>
+          <a:p>
+            <a:r>
+              <a:rPr lang="en-US" sz="2000" dirty="0"/>
+              <a:t>Will be:</a:t>
+            </a:r>
+          </a:p>
+          <a:p>
+            <a:pPr marL="285750" indent="-285750">
+              <a:buFont typeface="Arial" panose="020B0604020202020204" pitchFamily="34" charset="0"/>
+              <a:buChar char="•"/>
+            </a:pPr>
+            <a:r>
+              <a:rPr lang="en-US" sz="2000" dirty="0"/>
+              <a:t>id=“…”</a:t>
+            </a:r>
+          </a:p>
+          <a:p>
+            <a:pPr marL="742950" lvl="1" indent="-285750">
+              <a:buFont typeface="Arial" panose="020B0604020202020204" pitchFamily="34" charset="0"/>
+              <a:buChar char="•"/>
+            </a:pPr>
+            <a:r>
+              <a:rPr lang="en-US" sz="2000" dirty="0"/>
+              <a:t>In this example it was coded as:</a:t>
+            </a:r>
+          </a:p>
+          <a:p>
+            <a:pPr marL="1200150" lvl="2" indent="-285750">
+              <a:buFont typeface="Arial" panose="020B0604020202020204" pitchFamily="34" charset="0"/>
+              <a:buChar char="•"/>
+            </a:pPr>
+            <a:r>
+              <a:rPr lang="en-US" sz="2000" dirty="0">
+                <a:solidFill>
+                  <a:srgbClr val="FF0000"/>
+                </a:solidFill>
+              </a:rPr>
+              <a:t>#news { color: purple; }</a:t>
+            </a:r>
+          </a:p>
+          <a:p>
+            <a:pPr marL="742950" lvl="1" indent="-285750">
+              <a:buFont typeface="Arial" panose="020B0604020202020204" pitchFamily="34" charset="0"/>
+              <a:buChar char="•"/>
+            </a:pPr>
+            <a:r>
+              <a:rPr lang="en-US" sz="2000" dirty="0"/>
+              <a:t>It pulls out anything with ‘id=“</a:t>
+            </a:r>
+            <a:r>
+              <a:rPr lang="en-US" sz="2000" dirty="0">
+                <a:solidFill>
+                  <a:srgbClr val="FF0000"/>
+                </a:solidFill>
+              </a:rPr>
+              <a:t>news</a:t>
+            </a:r>
+            <a:r>
+              <a:rPr lang="en-US" sz="2000" dirty="0"/>
+              <a:t>” ‘</a:t>
+            </a:r>
+          </a:p>
+        </p:txBody>
+      </p:sp>
+      <p:pic>
+        <p:nvPicPr>
+          <p:cNvPr id="2" name="Picture 1"/>
+          <p:cNvPicPr>
+            <a:picLocks noChangeAspect="1"/>
+          </p:cNvPicPr>
+          <p:nvPr/>
+        </p:nvPicPr>
+        <p:blipFill>
+          <a:blip r:embed="rId2"/>
+          <a:stretch>
+            <a:fillRect/>
+          </a:stretch>
+        </p:blipFill>
+        <p:spPr>
+          <a:xfrm>
+            <a:off x="4062138" y="1728919"/>
+            <a:ext cx="8129861" cy="4570815"/>
+          </a:xfrm>
+          <a:prstGeom prst="rect">
+            <a:avLst/>
+          </a:prstGeom>
+        </p:spPr>
+      </p:pic>
+    </p:spTree>
+    <p:extLst>
+      <p:ext uri="{BB962C8B-B14F-4D97-AF65-F5344CB8AC3E}">
+        <p14:creationId xmlns:p14="http://schemas.microsoft.com/office/powerpoint/2010/main" val="3563337714"/>
+      </p:ext>
+    </p:extLst>
+  </p:cSld>
+  <p:clrMapOvr>
+    <a:masterClrMapping/>
+  </p:clrMapOvr>
+</p:sld>
+</file>
+
+<file path=ppt/slides/slide7.xml><?xml version="1.0" encoding="utf-8"?>
+<p:sld xmlns:a="http://schemas.openxmlformats.org/drawingml/2006/main" xmlns:r="http://schemas.openxmlformats.org/officeDocument/2006/relationships" xmlns:p="http://schemas.openxmlformats.org/presentationml/2006/main">
+  <p:cSld>
+    <p:spTree>
+      <p:nvGrpSpPr>
+        <p:cNvPr id="1" name=""/>
+        <p:cNvGrpSpPr/>
+        <p:nvPr/>
+      </p:nvGrpSpPr>
+      <p:grpSpPr>
+        <a:xfrm>
+          <a:off x="0" y="0"/>
+          <a:ext cx="0" cy="0"/>
+          <a:chOff x="0" y="0"/>
+          <a:chExt cx="0" cy="0"/>
+        </a:xfrm>
+      </p:grpSpPr>
+      <p:sp>
+        <p:nvSpPr>
+          <p:cNvPr id="7" name="Title 6"/>
+          <p:cNvSpPr>
+            <a:spLocks noGrp="1"/>
+          </p:cNvSpPr>
+          <p:nvPr>
+            <p:ph type="title"/>
+          </p:nvPr>
+        </p:nvSpPr>
+        <p:spPr>
+          <a:xfrm>
+            <a:off x="2192561" y="450573"/>
+            <a:ext cx="5934508" cy="659225"/>
+          </a:xfrm>
+        </p:spPr>
+        <p:txBody>
+          <a:bodyPr>
+            <a:noAutofit/>
+          </a:bodyPr>
+          <a:lstStyle/>
+          <a:p>
+            <a:pPr algn="ctr"/>
+            <a:r>
+              <a:rPr lang="en-US" sz="4800" dirty="0"/>
+              <a:t>Inline</a:t>
+            </a:r>
+          </a:p>
+        </p:txBody>
+      </p:sp>
+      <p:sp>
+        <p:nvSpPr>
+          <p:cNvPr id="9" name="Text Placeholder 8"/>
+          <p:cNvSpPr>
+            <a:spLocks noGrp="1"/>
+          </p:cNvSpPr>
+          <p:nvPr>
+            <p:ph type="body" sz="half" idx="2"/>
+          </p:nvPr>
+        </p:nvSpPr>
+        <p:spPr>
+          <a:xfrm>
+            <a:off x="159026" y="2249486"/>
+            <a:ext cx="3903113" cy="3541714"/>
+          </a:xfrm>
+        </p:spPr>
+        <p:txBody>
+          <a:bodyPr>
+            <a:normAutofit/>
+          </a:bodyPr>
+          <a:lstStyle/>
+          <a:p>
+            <a:r>
+              <a:rPr lang="en-US" sz="2000" dirty="0"/>
+              <a:t>Will be:</a:t>
+            </a:r>
+          </a:p>
+          <a:p>
+            <a:pPr marL="342900" indent="-342900">
+              <a:buFont typeface="Arial" panose="020B0604020202020204" pitchFamily="34" charset="0"/>
+              <a:buChar char="•"/>
+            </a:pPr>
+            <a:r>
+              <a:rPr lang="en-US" sz="2000" dirty="0"/>
+              <a:t>&lt;h2 … style=“color: red; &gt;</a:t>
+            </a:r>
+          </a:p>
+          <a:p>
+            <a:r>
+              <a:rPr lang="en-US" sz="2000" dirty="0"/>
+              <a:t>This is the most powerful out of the 4 types.</a:t>
+            </a:r>
+          </a:p>
+        </p:txBody>
+      </p:sp>
+      <p:pic>
+        <p:nvPicPr>
+          <p:cNvPr id="3" name="Picture 2"/>
+          <p:cNvPicPr>
+            <a:picLocks noChangeAspect="1"/>
+          </p:cNvPicPr>
+          <p:nvPr/>
+        </p:nvPicPr>
+        <p:blipFill>
+          <a:blip r:embed="rId2"/>
+          <a:stretch>
+            <a:fillRect/>
+          </a:stretch>
+        </p:blipFill>
+        <p:spPr>
+          <a:xfrm>
+            <a:off x="4386470" y="1831754"/>
+            <a:ext cx="7805530" cy="4388468"/>
+          </a:xfrm>
+          <a:prstGeom prst="rect">
+            <a:avLst/>
+          </a:prstGeom>
+        </p:spPr>
+      </p:pic>
+    </p:spTree>
+    <p:extLst>
+      <p:ext uri="{BB962C8B-B14F-4D97-AF65-F5344CB8AC3E}">
+        <p14:creationId xmlns:p14="http://schemas.microsoft.com/office/powerpoint/2010/main" val="3046259478"/>
+      </p:ext>
+    </p:extLst>
+  </p:cSld>
+  <p:clrMapOvr>
+    <a:masterClrMapping/>
+  </p:clrMapOvr>
+</p:sld>
+</file>
+
+<file path=ppt/slides/slide8.xml><?xml version="1.0" encoding="utf-8"?>
+<p:sld xmlns:a="http://schemas.openxmlformats.org/drawingml/2006/main" xmlns:r="http://schemas.openxmlformats.org/officeDocument/2006/relationships" xmlns:p="http://schemas.openxmlformats.org/presentationml/2006/main">
+  <p:cSld>
+    <p:spTree>
+      <p:nvGrpSpPr>
+        <p:cNvPr id="1" name=""/>
+        <p:cNvGrpSpPr/>
+        <p:nvPr/>
+      </p:nvGrpSpPr>
+      <p:grpSpPr>
+        <a:xfrm>
+          <a:off x="0" y="0"/>
+          <a:ext cx="0" cy="0"/>
+          <a:chOff x="0" y="0"/>
+          <a:chExt cx="0" cy="0"/>
+        </a:xfrm>
+      </p:grpSpPr>
+      <p:sp>
+        <p:nvSpPr>
+          <p:cNvPr id="5" name="Title 4"/>
+          <p:cNvSpPr>
+            <a:spLocks noGrp="1"/>
+          </p:cNvSpPr>
+          <p:nvPr>
+            <p:ph type="title"/>
+          </p:nvPr>
+        </p:nvSpPr>
+        <p:spPr/>
+        <p:txBody>
+          <a:bodyPr/>
+          <a:lstStyle/>
+          <a:p>
+            <a:r>
+              <a:rPr lang="en-US" dirty="0"/>
+              <a:t>Example</a:t>
+            </a:r>
+          </a:p>
+        </p:txBody>
+      </p:sp>
+      <p:sp>
+        <p:nvSpPr>
+          <p:cNvPr id="6" name="Content Placeholder 5"/>
+          <p:cNvSpPr>
+            <a:spLocks noGrp="1"/>
+          </p:cNvSpPr>
+          <p:nvPr>
+            <p:ph idx="1"/>
+          </p:nvPr>
+        </p:nvSpPr>
+        <p:spPr/>
+        <p:txBody>
+          <a:bodyPr/>
+          <a:lstStyle/>
+          <a:p>
+            <a:r>
+              <a:rPr lang="en-US" dirty="0"/>
+              <a:t>Table of examples</a:t>
+            </a:r>
+          </a:p>
+          <a:p>
+            <a:pPr lvl="1"/>
+            <a:r>
+              <a:rPr lang="en-US" dirty="0">
+                <a:hlinkClick r:id="rId2"/>
+              </a:rPr>
+              <a:t>mkshoaf.github.io</a:t>
+            </a:r>
+            <a:endParaRPr lang="en-US" dirty="0"/>
+          </a:p>
+        </p:txBody>
+      </p:sp>
+    </p:spTree>
+    <p:extLst>
+      <p:ext uri="{BB962C8B-B14F-4D97-AF65-F5344CB8AC3E}">
+        <p14:creationId xmlns:p14="http://schemas.microsoft.com/office/powerpoint/2010/main" val="2064409764"/>
+      </p:ext>
+    </p:extLst>
+  </p:cSld>
+  <p:clrMapOvr>
+    <a:masterClrMapping/>
+  </p:clrMapOvr>
+</p:sld>
+</file>
+
+<file path=ppt/slides/slide9.xml><?xml version="1.0" encoding="utf-8"?>
+<p:sld xmlns:a="http://schemas.openxmlformats.org/drawingml/2006/main" xmlns:r="http://schemas.openxmlformats.org/officeDocument/2006/relationships" xmlns:p="http://schemas.openxmlformats.org/presentationml/2006/main">
+  <p:cSld>
+    <p:spTree>
+      <p:nvGrpSpPr>
+        <p:cNvPr id="1" name=""/>
+        <p:cNvGrpSpPr/>
+        <p:nvPr/>
+      </p:nvGrpSpPr>
+      <p:grpSpPr>
+        <a:xfrm>
+          <a:off x="0" y="0"/>
+          <a:ext cx="0" cy="0"/>
+          <a:chOff x="0" y="0"/>
+          <a:chExt cx="0" cy="0"/>
+        </a:xfrm>
+      </p:grpSpPr>
+      <p:sp>
+        <p:nvSpPr>
+          <p:cNvPr id="5" name="Title 4"/>
+          <p:cNvSpPr>
+            <a:spLocks noGrp="1"/>
+          </p:cNvSpPr>
+          <p:nvPr>
+            <p:ph type="title"/>
+          </p:nvPr>
+        </p:nvSpPr>
+        <p:spPr/>
+        <p:txBody>
+          <a:bodyPr/>
+          <a:lstStyle/>
+          <a:p>
+            <a:r>
+              <a:rPr lang="en-US" dirty="0"/>
+              <a:t>Sources</a:t>
+            </a:r>
+          </a:p>
+        </p:txBody>
+      </p:sp>
+      <p:sp>
+        <p:nvSpPr>
+          <p:cNvPr id="6" name="Content Placeholder 5"/>
+          <p:cNvSpPr>
+            <a:spLocks noGrp="1"/>
+          </p:cNvSpPr>
+          <p:nvPr>
+            <p:ph idx="1"/>
+          </p:nvPr>
+        </p:nvSpPr>
+        <p:spPr/>
+        <p:txBody>
+          <a:bodyPr/>
+          <a:lstStyle/>
+          <a:p>
+            <a:r>
+              <a:rPr lang="en-US" dirty="0">
+                <a:hlinkClick r:id="rId2"/>
+              </a:rPr>
+              <a:t>http://www.w3schools.org</a:t>
+            </a:r>
+            <a:endParaRPr lang="en-US" dirty="0"/>
+          </a:p>
+          <a:p>
+            <a:r>
+              <a:rPr lang="en-US" dirty="0">
+                <a:hlinkClick r:id="rId3"/>
+              </a:rPr>
+              <a:t>http://www.sitepoint.com</a:t>
+            </a:r>
+            <a:endParaRPr lang="en-US" dirty="0"/>
+          </a:p>
+          <a:p>
+            <a:endParaRPr lang="en-US" dirty="0"/>
+          </a:p>
+        </p:txBody>
+      </p:sp>
+    </p:spTree>
+    <p:extLst>
+      <p:ext uri="{BB962C8B-B14F-4D97-AF65-F5344CB8AC3E}">
+        <p14:creationId xmlns:p14="http://schemas.microsoft.com/office/powerpoint/2010/main" val="2121823510"/>
       </p:ext>
     </p:extLst>
   </p:cSld>

--- a/presentation/CSS Specificity.pptx
+++ b/presentation/CSS Specificity.pptx
@@ -170,7 +170,7 @@
           <a:noFill/>
           <a:extLst>
             <a:ext uri="{909E8E84-426E-40dd-AFC4-6F175D3DCCD1}">
-              <a14:hiddenFill xmlns="" xmlns:a14="http://schemas.microsoft.com/office/drawing/2010/main">
+              <a14:hiddenFill xmlns:a14="http://schemas.microsoft.com/office/drawing/2010/main" xmlns="">
                 <a:solidFill>
                   <a:srgbClr val="FFFFFF"/>
                 </a:solidFill>
@@ -230,7 +230,7 @@
             </a:ln>
             <a:extLst>
               <a:ext uri="{91240B29-F687-4f45-9708-019B960494DF}">
-                <a14:hiddenLine xmlns="" xmlns:a14="http://schemas.microsoft.com/office/drawing/2010/main" w="9525">
+                <a14:hiddenLine xmlns:a14="http://schemas.microsoft.com/office/drawing/2010/main" xmlns="" w="9525">
                   <a:solidFill>
                     <a:srgbClr val="000000"/>
                   </a:solidFill>
@@ -320,7 +320,7 @@
             </a:ln>
             <a:extLst>
               <a:ext uri="{91240B29-F687-4f45-9708-019B960494DF}">
-                <a14:hiddenLine xmlns="" xmlns:a14="http://schemas.microsoft.com/office/drawing/2010/main" w="9525">
+                <a14:hiddenLine xmlns:a14="http://schemas.microsoft.com/office/drawing/2010/main" xmlns="" w="9525">
                   <a:solidFill>
                     <a:srgbClr val="000000"/>
                   </a:solidFill>
@@ -410,7 +410,7 @@
             </a:ln>
             <a:extLst>
               <a:ext uri="{91240B29-F687-4f45-9708-019B960494DF}">
-                <a14:hiddenLine xmlns="" xmlns:a14="http://schemas.microsoft.com/office/drawing/2010/main" w="9525">
+                <a14:hiddenLine xmlns:a14="http://schemas.microsoft.com/office/drawing/2010/main" xmlns="" w="9525">
                   <a:solidFill>
                     <a:srgbClr val="000000"/>
                   </a:solidFill>
@@ -444,7 +444,7 @@
             </a:ln>
             <a:extLst>
               <a:ext uri="{91240B29-F687-4f45-9708-019B960494DF}">
-                <a14:hiddenLine xmlns="" xmlns:a14="http://schemas.microsoft.com/office/drawing/2010/main" w="9525">
+                <a14:hiddenLine xmlns:a14="http://schemas.microsoft.com/office/drawing/2010/main" xmlns="" w="9525">
                   <a:solidFill>
                     <a:srgbClr val="000000"/>
                   </a:solidFill>
@@ -534,7 +534,7 @@
             </a:ln>
             <a:extLst>
               <a:ext uri="{91240B29-F687-4f45-9708-019B960494DF}">
-                <a14:hiddenLine xmlns="" xmlns:a14="http://schemas.microsoft.com/office/drawing/2010/main" w="9525">
+                <a14:hiddenLine xmlns:a14="http://schemas.microsoft.com/office/drawing/2010/main" xmlns="" w="9525">
                   <a:solidFill>
                     <a:srgbClr val="000000"/>
                   </a:solidFill>
@@ -596,7 +596,7 @@
             </a:ln>
             <a:extLst>
               <a:ext uri="{91240B29-F687-4f45-9708-019B960494DF}">
-                <a14:hiddenLine xmlns="" xmlns:a14="http://schemas.microsoft.com/office/drawing/2010/main" w="9525">
+                <a14:hiddenLine xmlns:a14="http://schemas.microsoft.com/office/drawing/2010/main" xmlns="" w="9525">
                   <a:solidFill>
                     <a:srgbClr val="000000"/>
                   </a:solidFill>
@@ -658,7 +658,7 @@
             </a:ln>
             <a:extLst>
               <a:ext uri="{91240B29-F687-4f45-9708-019B960494DF}">
-                <a14:hiddenLine xmlns="" xmlns:a14="http://schemas.microsoft.com/office/drawing/2010/main" w="9525">
+                <a14:hiddenLine xmlns:a14="http://schemas.microsoft.com/office/drawing/2010/main" xmlns="" w="9525">
                   <a:solidFill>
                     <a:srgbClr val="000000"/>
                   </a:solidFill>
@@ -748,7 +748,7 @@
             </a:ln>
             <a:extLst>
               <a:ext uri="{91240B29-F687-4f45-9708-019B960494DF}">
-                <a14:hiddenLine xmlns="" xmlns:a14="http://schemas.microsoft.com/office/drawing/2010/main" w="9525">
+                <a14:hiddenLine xmlns:a14="http://schemas.microsoft.com/office/drawing/2010/main" xmlns="" w="9525">
                   <a:solidFill>
                     <a:srgbClr val="000000"/>
                   </a:solidFill>
@@ -810,7 +810,7 @@
             </a:ln>
             <a:extLst>
               <a:ext uri="{91240B29-F687-4f45-9708-019B960494DF}">
-                <a14:hiddenLine xmlns="" xmlns:a14="http://schemas.microsoft.com/office/drawing/2010/main" w="9525">
+                <a14:hiddenLine xmlns:a14="http://schemas.microsoft.com/office/drawing/2010/main" xmlns="" w="9525">
                   <a:solidFill>
                     <a:srgbClr val="000000"/>
                   </a:solidFill>
@@ -872,7 +872,7 @@
             </a:ln>
             <a:extLst>
               <a:ext uri="{91240B29-F687-4f45-9708-019B960494DF}">
-                <a14:hiddenLine xmlns="" xmlns:a14="http://schemas.microsoft.com/office/drawing/2010/main" w="9525">
+                <a14:hiddenLine xmlns:a14="http://schemas.microsoft.com/office/drawing/2010/main" xmlns="" w="9525">
                   <a:solidFill>
                     <a:srgbClr val="000000"/>
                   </a:solidFill>
@@ -962,7 +962,7 @@
             </a:ln>
             <a:extLst>
               <a:ext uri="{91240B29-F687-4f45-9708-019B960494DF}">
-                <a14:hiddenLine xmlns="" xmlns:a14="http://schemas.microsoft.com/office/drawing/2010/main" w="9525">
+                <a14:hiddenLine xmlns:a14="http://schemas.microsoft.com/office/drawing/2010/main" xmlns="" w="9525">
                   <a:solidFill>
                     <a:srgbClr val="000000"/>
                   </a:solidFill>
@@ -1052,7 +1052,7 @@
             </a:ln>
             <a:extLst>
               <a:ext uri="{91240B29-F687-4f45-9708-019B960494DF}">
-                <a14:hiddenLine xmlns="" xmlns:a14="http://schemas.microsoft.com/office/drawing/2010/main" w="9525">
+                <a14:hiddenLine xmlns:a14="http://schemas.microsoft.com/office/drawing/2010/main" xmlns="" w="9525">
                   <a:solidFill>
                     <a:srgbClr val="000000"/>
                   </a:solidFill>
@@ -1114,7 +1114,7 @@
             </a:ln>
             <a:extLst>
               <a:ext uri="{91240B29-F687-4f45-9708-019B960494DF}">
-                <a14:hiddenLine xmlns="" xmlns:a14="http://schemas.microsoft.com/office/drawing/2010/main" w="9525">
+                <a14:hiddenLine xmlns:a14="http://schemas.microsoft.com/office/drawing/2010/main" xmlns="" w="9525">
                   <a:solidFill>
                     <a:srgbClr val="000000"/>
                   </a:solidFill>
@@ -1224,7 +1224,7 @@
             </a:ln>
             <a:extLst>
               <a:ext uri="{91240B29-F687-4f45-9708-019B960494DF}">
-                <a14:hiddenLine xmlns="" xmlns:a14="http://schemas.microsoft.com/office/drawing/2010/main" w="9525">
+                <a14:hiddenLine xmlns:a14="http://schemas.microsoft.com/office/drawing/2010/main" xmlns="" w="9525">
                   <a:solidFill>
                     <a:srgbClr val="000000"/>
                   </a:solidFill>
@@ -1286,7 +1286,7 @@
             </a:ln>
             <a:extLst>
               <a:ext uri="{91240B29-F687-4f45-9708-019B960494DF}">
-                <a14:hiddenLine xmlns="" xmlns:a14="http://schemas.microsoft.com/office/drawing/2010/main" w="9525">
+                <a14:hiddenLine xmlns:a14="http://schemas.microsoft.com/office/drawing/2010/main" xmlns="" w="9525">
                   <a:solidFill>
                     <a:srgbClr val="000000"/>
                   </a:solidFill>
@@ -1376,7 +1376,7 @@
             </a:ln>
             <a:extLst>
               <a:ext uri="{91240B29-F687-4f45-9708-019B960494DF}">
-                <a14:hiddenLine xmlns="" xmlns:a14="http://schemas.microsoft.com/office/drawing/2010/main" w="9525">
+                <a14:hiddenLine xmlns:a14="http://schemas.microsoft.com/office/drawing/2010/main" xmlns="" w="9525">
                   <a:solidFill>
                     <a:srgbClr val="000000"/>
                   </a:solidFill>
@@ -1466,7 +1466,7 @@
             </a:ln>
             <a:extLst>
               <a:ext uri="{91240B29-F687-4f45-9708-019B960494DF}">
-                <a14:hiddenLine xmlns="" xmlns:a14="http://schemas.microsoft.com/office/drawing/2010/main" w="9525">
+                <a14:hiddenLine xmlns:a14="http://schemas.microsoft.com/office/drawing/2010/main" xmlns="" w="9525">
                   <a:solidFill>
                     <a:srgbClr val="000000"/>
                   </a:solidFill>
@@ -1528,7 +1528,7 @@
             </a:ln>
             <a:extLst>
               <a:ext uri="{91240B29-F687-4f45-9708-019B960494DF}">
-                <a14:hiddenLine xmlns="" xmlns:a14="http://schemas.microsoft.com/office/drawing/2010/main" w="9525">
+                <a14:hiddenLine xmlns:a14="http://schemas.microsoft.com/office/drawing/2010/main" xmlns="" w="9525">
                   <a:solidFill>
                     <a:srgbClr val="000000"/>
                   </a:solidFill>
@@ -1618,7 +1618,7 @@
             </a:ln>
             <a:extLst>
               <a:ext uri="{91240B29-F687-4f45-9708-019B960494DF}">
-                <a14:hiddenLine xmlns="" xmlns:a14="http://schemas.microsoft.com/office/drawing/2010/main" w="9525">
+                <a14:hiddenLine xmlns:a14="http://schemas.microsoft.com/office/drawing/2010/main" xmlns="" w="9525">
                   <a:solidFill>
                     <a:srgbClr val="000000"/>
                   </a:solidFill>
@@ -1708,7 +1708,7 @@
             </a:ln>
             <a:extLst>
               <a:ext uri="{91240B29-F687-4f45-9708-019B960494DF}">
-                <a14:hiddenLine xmlns="" xmlns:a14="http://schemas.microsoft.com/office/drawing/2010/main" w="9525">
+                <a14:hiddenLine xmlns:a14="http://schemas.microsoft.com/office/drawing/2010/main" xmlns="" w="9525">
                   <a:solidFill>
                     <a:srgbClr val="000000"/>
                   </a:solidFill>
@@ -1764,7 +1764,7 @@
             </a:ln>
             <a:extLst>
               <a:ext uri="{91240B29-F687-4f45-9708-019B960494DF}">
-                <a14:hiddenLine xmlns="" xmlns:a14="http://schemas.microsoft.com/office/drawing/2010/main" w="9525">
+                <a14:hiddenLine xmlns:a14="http://schemas.microsoft.com/office/drawing/2010/main" xmlns="" w="9525">
                   <a:solidFill>
                     <a:srgbClr val="000000"/>
                   </a:solidFill>
@@ -1854,7 +1854,7 @@
             </a:ln>
             <a:extLst>
               <a:ext uri="{91240B29-F687-4f45-9708-019B960494DF}">
-                <a14:hiddenLine xmlns="" xmlns:a14="http://schemas.microsoft.com/office/drawing/2010/main" w="9525">
+                <a14:hiddenLine xmlns:a14="http://schemas.microsoft.com/office/drawing/2010/main" xmlns="" w="9525">
                   <a:solidFill>
                     <a:srgbClr val="000000"/>
                   </a:solidFill>
@@ -1910,7 +1910,7 @@
             </a:ln>
             <a:extLst>
               <a:ext uri="{91240B29-F687-4f45-9708-019B960494DF}">
-                <a14:hiddenLine xmlns="" xmlns:a14="http://schemas.microsoft.com/office/drawing/2010/main" w="9525">
+                <a14:hiddenLine xmlns:a14="http://schemas.microsoft.com/office/drawing/2010/main" xmlns="" w="9525">
                   <a:solidFill>
                     <a:srgbClr val="000000"/>
                   </a:solidFill>
@@ -2000,7 +2000,7 @@
             </a:ln>
             <a:extLst>
               <a:ext uri="{91240B29-F687-4f45-9708-019B960494DF}">
-                <a14:hiddenLine xmlns="" xmlns:a14="http://schemas.microsoft.com/office/drawing/2010/main" w="9525">
+                <a14:hiddenLine xmlns:a14="http://schemas.microsoft.com/office/drawing/2010/main" xmlns="" w="9525">
                   <a:solidFill>
                     <a:srgbClr val="000000"/>
                   </a:solidFill>
@@ -2068,7 +2068,7 @@
             </a:ln>
             <a:extLst>
               <a:ext uri="{91240B29-F687-4f45-9708-019B960494DF}">
-                <a14:hiddenLine xmlns="" xmlns:a14="http://schemas.microsoft.com/office/drawing/2010/main" w="9525">
+                <a14:hiddenLine xmlns:a14="http://schemas.microsoft.com/office/drawing/2010/main" xmlns="" w="9525">
                   <a:solidFill>
                     <a:srgbClr val="000000"/>
                   </a:solidFill>
@@ -2158,7 +2158,7 @@
             </a:ln>
             <a:extLst>
               <a:ext uri="{91240B29-F687-4f45-9708-019B960494DF}">
-                <a14:hiddenLine xmlns="" xmlns:a14="http://schemas.microsoft.com/office/drawing/2010/main" w="9525">
+                <a14:hiddenLine xmlns:a14="http://schemas.microsoft.com/office/drawing/2010/main" xmlns="" w="9525">
                   <a:solidFill>
                     <a:srgbClr val="000000"/>
                   </a:solidFill>
@@ -2226,7 +2226,7 @@
             </a:ln>
             <a:extLst>
               <a:ext uri="{91240B29-F687-4f45-9708-019B960494DF}">
-                <a14:hiddenLine xmlns="" xmlns:a14="http://schemas.microsoft.com/office/drawing/2010/main" w="9525">
+                <a14:hiddenLine xmlns:a14="http://schemas.microsoft.com/office/drawing/2010/main" xmlns="" w="9525">
                   <a:solidFill>
                     <a:srgbClr val="000000"/>
                   </a:solidFill>
@@ -2316,7 +2316,7 @@
             </a:ln>
             <a:extLst>
               <a:ext uri="{91240B29-F687-4f45-9708-019B960494DF}">
-                <a14:hiddenLine xmlns="" xmlns:a14="http://schemas.microsoft.com/office/drawing/2010/main" w="9525">
+                <a14:hiddenLine xmlns:a14="http://schemas.microsoft.com/office/drawing/2010/main" xmlns="" w="9525">
                   <a:solidFill>
                     <a:srgbClr val="000000"/>
                   </a:solidFill>
@@ -2350,7 +2350,7 @@
             </a:ln>
             <a:extLst>
               <a:ext uri="{91240B29-F687-4f45-9708-019B960494DF}">
-                <a14:hiddenLine xmlns="" xmlns:a14="http://schemas.microsoft.com/office/drawing/2010/main" w="9525">
+                <a14:hiddenLine xmlns:a14="http://schemas.microsoft.com/office/drawing/2010/main" xmlns="" w="9525">
                   <a:solidFill>
                     <a:srgbClr val="000000"/>
                   </a:solidFill>
@@ -2440,7 +2440,7 @@
             </a:ln>
             <a:extLst>
               <a:ext uri="{91240B29-F687-4f45-9708-019B960494DF}">
-                <a14:hiddenLine xmlns="" xmlns:a14="http://schemas.microsoft.com/office/drawing/2010/main" w="9525">
+                <a14:hiddenLine xmlns:a14="http://schemas.microsoft.com/office/drawing/2010/main" xmlns="" w="9525">
                   <a:solidFill>
                     <a:srgbClr val="000000"/>
                   </a:solidFill>
@@ -2502,7 +2502,7 @@
             </a:ln>
             <a:extLst>
               <a:ext uri="{91240B29-F687-4f45-9708-019B960494DF}">
-                <a14:hiddenLine xmlns="" xmlns:a14="http://schemas.microsoft.com/office/drawing/2010/main" w="9525">
+                <a14:hiddenLine xmlns:a14="http://schemas.microsoft.com/office/drawing/2010/main" xmlns="" w="9525">
                   <a:solidFill>
                     <a:srgbClr val="000000"/>
                   </a:solidFill>
@@ -2564,7 +2564,7 @@
             </a:ln>
             <a:extLst>
               <a:ext uri="{91240B29-F687-4f45-9708-019B960494DF}">
-                <a14:hiddenLine xmlns="" xmlns:a14="http://schemas.microsoft.com/office/drawing/2010/main" w="9525">
+                <a14:hiddenLine xmlns:a14="http://schemas.microsoft.com/office/drawing/2010/main" xmlns="" w="9525">
                   <a:solidFill>
                     <a:srgbClr val="000000"/>
                   </a:solidFill>
@@ -2654,7 +2654,7 @@
             </a:ln>
             <a:extLst>
               <a:ext uri="{91240B29-F687-4f45-9708-019B960494DF}">
-                <a14:hiddenLine xmlns="" xmlns:a14="http://schemas.microsoft.com/office/drawing/2010/main" w="9525">
+                <a14:hiddenLine xmlns:a14="http://schemas.microsoft.com/office/drawing/2010/main" xmlns="" w="9525">
                   <a:solidFill>
                     <a:srgbClr val="000000"/>
                   </a:solidFill>
@@ -2722,7 +2722,7 @@
             </a:ln>
             <a:extLst>
               <a:ext uri="{91240B29-F687-4f45-9708-019B960494DF}">
-                <a14:hiddenLine xmlns="" xmlns:a14="http://schemas.microsoft.com/office/drawing/2010/main" w="9525">
+                <a14:hiddenLine xmlns:a14="http://schemas.microsoft.com/office/drawing/2010/main" xmlns="" w="9525">
                   <a:solidFill>
                     <a:srgbClr val="000000"/>
                   </a:solidFill>
@@ -2784,7 +2784,7 @@
             </a:ln>
             <a:extLst>
               <a:ext uri="{91240B29-F687-4f45-9708-019B960494DF}">
-                <a14:hiddenLine xmlns="" xmlns:a14="http://schemas.microsoft.com/office/drawing/2010/main" w="9525">
+                <a14:hiddenLine xmlns:a14="http://schemas.microsoft.com/office/drawing/2010/main" xmlns="" w="9525">
                   <a:solidFill>
                     <a:srgbClr val="000000"/>
                   </a:solidFill>
@@ -2874,7 +2874,7 @@
             </a:ln>
             <a:extLst>
               <a:ext uri="{91240B29-F687-4f45-9708-019B960494DF}">
-                <a14:hiddenLine xmlns="" xmlns:a14="http://schemas.microsoft.com/office/drawing/2010/main" w="9525">
+                <a14:hiddenLine xmlns:a14="http://schemas.microsoft.com/office/drawing/2010/main" xmlns="" w="9525">
                   <a:solidFill>
                     <a:srgbClr val="000000"/>
                   </a:solidFill>
@@ -2936,7 +2936,7 @@
             </a:ln>
             <a:extLst>
               <a:ext uri="{91240B29-F687-4f45-9708-019B960494DF}">
-                <a14:hiddenLine xmlns="" xmlns:a14="http://schemas.microsoft.com/office/drawing/2010/main" w="9525">
+                <a14:hiddenLine xmlns:a14="http://schemas.microsoft.com/office/drawing/2010/main" xmlns="" w="9525">
                   <a:solidFill>
                     <a:srgbClr val="000000"/>
                   </a:solidFill>
@@ -3026,7 +3026,7 @@
             </a:ln>
             <a:extLst>
               <a:ext uri="{91240B29-F687-4f45-9708-019B960494DF}">
-                <a14:hiddenLine xmlns="" xmlns:a14="http://schemas.microsoft.com/office/drawing/2010/main" w="9525">
+                <a14:hiddenLine xmlns:a14="http://schemas.microsoft.com/office/drawing/2010/main" xmlns="" w="9525">
                   <a:solidFill>
                     <a:srgbClr val="000000"/>
                   </a:solidFill>
@@ -3088,7 +3088,7 @@
             </a:ln>
             <a:extLst>
               <a:ext uri="{91240B29-F687-4f45-9708-019B960494DF}">
-                <a14:hiddenLine xmlns="" xmlns:a14="http://schemas.microsoft.com/office/drawing/2010/main" w="9525">
+                <a14:hiddenLine xmlns:a14="http://schemas.microsoft.com/office/drawing/2010/main" xmlns="" w="9525">
                   <a:solidFill>
                     <a:srgbClr val="000000"/>
                   </a:solidFill>
@@ -3178,7 +3178,7 @@
             </a:ln>
             <a:extLst>
               <a:ext uri="{91240B29-F687-4f45-9708-019B960494DF}">
-                <a14:hiddenLine xmlns="" xmlns:a14="http://schemas.microsoft.com/office/drawing/2010/main" w="9525">
+                <a14:hiddenLine xmlns:a14="http://schemas.microsoft.com/office/drawing/2010/main" xmlns="" w="9525">
                   <a:solidFill>
                     <a:srgbClr val="000000"/>
                   </a:solidFill>
@@ -3212,7 +3212,7 @@
             </a:ln>
             <a:extLst>
               <a:ext uri="{91240B29-F687-4f45-9708-019B960494DF}">
-                <a14:hiddenLine xmlns="" xmlns:a14="http://schemas.microsoft.com/office/drawing/2010/main" w="9525">
+                <a14:hiddenLine xmlns:a14="http://schemas.microsoft.com/office/drawing/2010/main" xmlns="" w="9525">
                   <a:solidFill>
                     <a:srgbClr val="000000"/>
                   </a:solidFill>
@@ -3277,7 +3277,7 @@
             </a:ln>
             <a:extLst>
               <a:ext uri="{91240B29-F687-4f45-9708-019B960494DF}">
-                <a14:hiddenLine xmlns="" xmlns:a14="http://schemas.microsoft.com/office/drawing/2010/main" w="9525">
+                <a14:hiddenLine xmlns:a14="http://schemas.microsoft.com/office/drawing/2010/main" xmlns="" w="9525">
                   <a:solidFill>
                     <a:srgbClr val="000000"/>
                   </a:solidFill>
@@ -3367,7 +3367,7 @@
             </a:ln>
             <a:extLst>
               <a:ext uri="{91240B29-F687-4f45-9708-019B960494DF}">
-                <a14:hiddenLine xmlns="" xmlns:a14="http://schemas.microsoft.com/office/drawing/2010/main" w="9525">
+                <a14:hiddenLine xmlns:a14="http://schemas.microsoft.com/office/drawing/2010/main" xmlns="" w="9525">
                   <a:solidFill>
                     <a:srgbClr val="000000"/>
                   </a:solidFill>
@@ -3429,7 +3429,7 @@
             </a:ln>
             <a:extLst>
               <a:ext uri="{91240B29-F687-4f45-9708-019B960494DF}">
-                <a14:hiddenLine xmlns="" xmlns:a14="http://schemas.microsoft.com/office/drawing/2010/main" w="9525">
+                <a14:hiddenLine xmlns:a14="http://schemas.microsoft.com/office/drawing/2010/main" xmlns="" w="9525">
                   <a:solidFill>
                     <a:srgbClr val="000000"/>
                   </a:solidFill>
@@ -3519,7 +3519,7 @@
             </a:ln>
             <a:extLst>
               <a:ext uri="{91240B29-F687-4f45-9708-019B960494DF}">
-                <a14:hiddenLine xmlns="" xmlns:a14="http://schemas.microsoft.com/office/drawing/2010/main" w="9525">
+                <a14:hiddenLine xmlns:a14="http://schemas.microsoft.com/office/drawing/2010/main" xmlns="" w="9525">
                   <a:solidFill>
                     <a:srgbClr val="000000"/>
                   </a:solidFill>
@@ -3609,7 +3609,7 @@
             </a:ln>
             <a:extLst>
               <a:ext uri="{91240B29-F687-4f45-9708-019B960494DF}">
-                <a14:hiddenLine xmlns="" xmlns:a14="http://schemas.microsoft.com/office/drawing/2010/main" w="9525">
+                <a14:hiddenLine xmlns:a14="http://schemas.microsoft.com/office/drawing/2010/main" xmlns="" w="9525">
                   <a:solidFill>
                     <a:srgbClr val="000000"/>
                   </a:solidFill>
@@ -3674,7 +3674,7 @@
             </a:ln>
             <a:extLst>
               <a:ext uri="{91240B29-F687-4f45-9708-019B960494DF}">
-                <a14:hiddenLine xmlns="" xmlns:a14="http://schemas.microsoft.com/office/drawing/2010/main" w="9525">
+                <a14:hiddenLine xmlns:a14="http://schemas.microsoft.com/office/drawing/2010/main" xmlns="" w="9525">
                   <a:solidFill>
                     <a:srgbClr val="000000"/>
                   </a:solidFill>
@@ -3736,7 +3736,7 @@
             </a:ln>
             <a:extLst>
               <a:ext uri="{91240B29-F687-4f45-9708-019B960494DF}">
-                <a14:hiddenLine xmlns="" xmlns:a14="http://schemas.microsoft.com/office/drawing/2010/main" w="9525">
+                <a14:hiddenLine xmlns:a14="http://schemas.microsoft.com/office/drawing/2010/main" xmlns="" w="9525">
                   <a:solidFill>
                     <a:srgbClr val="000000"/>
                   </a:solidFill>
@@ -3826,7 +3826,7 @@
             </a:ln>
             <a:extLst>
               <a:ext uri="{91240B29-F687-4f45-9708-019B960494DF}">
-                <a14:hiddenLine xmlns="" xmlns:a14="http://schemas.microsoft.com/office/drawing/2010/main" w="9525">
+                <a14:hiddenLine xmlns:a14="http://schemas.microsoft.com/office/drawing/2010/main" xmlns="" w="9525">
                   <a:solidFill>
                     <a:srgbClr val="000000"/>
                   </a:solidFill>
@@ -3916,7 +3916,7 @@
             </a:ln>
             <a:extLst>
               <a:ext uri="{91240B29-F687-4f45-9708-019B960494DF}">
-                <a14:hiddenLine xmlns="" xmlns:a14="http://schemas.microsoft.com/office/drawing/2010/main" w="9525">
+                <a14:hiddenLine xmlns:a14="http://schemas.microsoft.com/office/drawing/2010/main" xmlns="" w="9525">
                   <a:solidFill>
                     <a:srgbClr val="000000"/>
                   </a:solidFill>
@@ -3978,7 +3978,7 @@
             </a:ln>
             <a:extLst>
               <a:ext uri="{91240B29-F687-4f45-9708-019B960494DF}">
-                <a14:hiddenLine xmlns="" xmlns:a14="http://schemas.microsoft.com/office/drawing/2010/main" w="9525">
+                <a14:hiddenLine xmlns:a14="http://schemas.microsoft.com/office/drawing/2010/main" xmlns="" w="9525">
                   <a:solidFill>
                     <a:srgbClr val="000000"/>
                   </a:solidFill>
@@ -4098,7 +4098,7 @@
             </a:ln>
             <a:extLst>
               <a:ext uri="{91240B29-F687-4f45-9708-019B960494DF}">
-                <a14:hiddenLine xmlns="" xmlns:a14="http://schemas.microsoft.com/office/drawing/2010/main" w="9525">
+                <a14:hiddenLine xmlns:a14="http://schemas.microsoft.com/office/drawing/2010/main" xmlns="" w="9525">
                   <a:solidFill>
                     <a:srgbClr val="000000"/>
                   </a:solidFill>
@@ -4166,7 +4166,7 @@
             </a:ln>
             <a:extLst>
               <a:ext uri="{91240B29-F687-4f45-9708-019B960494DF}">
-                <a14:hiddenLine xmlns="" xmlns:a14="http://schemas.microsoft.com/office/drawing/2010/main" w="9525">
+                <a14:hiddenLine xmlns:a14="http://schemas.microsoft.com/office/drawing/2010/main" xmlns="" w="9525">
                   <a:solidFill>
                     <a:srgbClr val="000000"/>
                   </a:solidFill>
@@ -4256,7 +4256,7 @@
             </a:ln>
             <a:extLst>
               <a:ext uri="{91240B29-F687-4f45-9708-019B960494DF}">
-                <a14:hiddenLine xmlns="" xmlns:a14="http://schemas.microsoft.com/office/drawing/2010/main" w="9525">
+                <a14:hiddenLine xmlns:a14="http://schemas.microsoft.com/office/drawing/2010/main" xmlns="" w="9525">
                   <a:solidFill>
                     <a:srgbClr val="000000"/>
                   </a:solidFill>
@@ -4396,7 +4396,7 @@
           <a:p>
             <a:fld id="{48A87A34-81AB-432B-8DAE-1953F412C126}" type="datetimeFigureOut">
               <a:rPr lang="en-US" dirty="0"/>
-              <a:t>10/11/2016</a:t>
+              <a:t>10/12/2016</a:t>
             </a:fld>
             <a:endParaRPr lang="en-US" dirty="0"/>
           </a:p>
@@ -4658,7 +4658,7 @@
           <a:p>
             <a:fld id="{48A87A34-81AB-432B-8DAE-1953F412C126}" type="datetimeFigureOut">
               <a:rPr lang="en-US" dirty="0"/>
-              <a:t>10/11/2016</a:t>
+              <a:t>10/12/2016</a:t>
             </a:fld>
             <a:endParaRPr lang="en-US" dirty="0"/>
           </a:p>
@@ -4849,7 +4849,7 @@
           <a:p>
             <a:fld id="{48A87A34-81AB-432B-8DAE-1953F412C126}" type="datetimeFigureOut">
               <a:rPr lang="en-US" dirty="0"/>
-              <a:t>10/11/2016</a:t>
+              <a:t>10/12/2016</a:t>
             </a:fld>
             <a:endParaRPr lang="en-US" dirty="0"/>
           </a:p>
@@ -5107,7 +5107,7 @@
           <a:p>
             <a:fld id="{48A87A34-81AB-432B-8DAE-1953F412C126}" type="datetimeFigureOut">
               <a:rPr lang="en-US" dirty="0"/>
-              <a:t>10/11/2016</a:t>
+              <a:t>10/12/2016</a:t>
             </a:fld>
             <a:endParaRPr lang="en-US" dirty="0"/>
           </a:p>
@@ -5536,7 +5536,7 @@
           <a:p>
             <a:fld id="{48A87A34-81AB-432B-8DAE-1953F412C126}" type="datetimeFigureOut">
               <a:rPr lang="en-US" dirty="0"/>
-              <a:t>10/11/2016</a:t>
+              <a:t>10/12/2016</a:t>
             </a:fld>
             <a:endParaRPr lang="en-US" dirty="0"/>
           </a:p>
@@ -6077,7 +6077,7 @@
           <a:p>
             <a:fld id="{48A87A34-81AB-432B-8DAE-1953F412C126}" type="datetimeFigureOut">
               <a:rPr lang="en-US" dirty="0"/>
-              <a:t>10/11/2016</a:t>
+              <a:t>10/12/2016</a:t>
             </a:fld>
             <a:endParaRPr lang="en-US" dirty="0"/>
           </a:p>
@@ -6792,7 +6792,7 @@
           <a:p>
             <a:fld id="{48A87A34-81AB-432B-8DAE-1953F412C126}" type="datetimeFigureOut">
               <a:rPr lang="en-US" dirty="0"/>
-              <a:t>10/11/2016</a:t>
+              <a:t>10/12/2016</a:t>
             </a:fld>
             <a:endParaRPr lang="en-US" dirty="0"/>
           </a:p>
@@ -6957,7 +6957,7 @@
           <a:p>
             <a:fld id="{48A87A34-81AB-432B-8DAE-1953F412C126}" type="datetimeFigureOut">
               <a:rPr lang="en-US" dirty="0"/>
-              <a:t>10/11/2016</a:t>
+              <a:t>10/12/2016</a:t>
             </a:fld>
             <a:endParaRPr lang="en-US" dirty="0"/>
           </a:p>
@@ -7132,7 +7132,7 @@
           <a:p>
             <a:fld id="{48A87A34-81AB-432B-8DAE-1953F412C126}" type="datetimeFigureOut">
               <a:rPr lang="en-US" dirty="0"/>
-              <a:t>10/11/2016</a:t>
+              <a:t>10/12/2016</a:t>
             </a:fld>
             <a:endParaRPr lang="en-US" dirty="0"/>
           </a:p>
@@ -7297,7 +7297,7 @@
           <a:p>
             <a:fld id="{48A87A34-81AB-432B-8DAE-1953F412C126}" type="datetimeFigureOut">
               <a:rPr lang="en-US" dirty="0"/>
-              <a:t>10/11/2016</a:t>
+              <a:t>10/12/2016</a:t>
             </a:fld>
             <a:endParaRPr lang="en-US" dirty="0"/>
           </a:p>
@@ -7542,7 +7542,7 @@
           <a:p>
             <a:fld id="{48A87A34-81AB-432B-8DAE-1953F412C126}" type="datetimeFigureOut">
               <a:rPr lang="en-US" dirty="0"/>
-              <a:t>10/11/2016</a:t>
+              <a:t>10/12/2016</a:t>
             </a:fld>
             <a:endParaRPr lang="en-US" dirty="0"/>
           </a:p>
@@ -7769,7 +7769,7 @@
           <a:p>
             <a:fld id="{48A87A34-81AB-432B-8DAE-1953F412C126}" type="datetimeFigureOut">
               <a:rPr lang="en-US" dirty="0"/>
-              <a:t>10/11/2016</a:t>
+              <a:t>10/12/2016</a:t>
             </a:fld>
             <a:endParaRPr lang="en-US" dirty="0"/>
           </a:p>
@@ -8145,7 +8145,7 @@
           <a:p>
             <a:fld id="{48A87A34-81AB-432B-8DAE-1953F412C126}" type="datetimeFigureOut">
               <a:rPr lang="en-US" dirty="0"/>
-              <a:t>10/11/2016</a:t>
+              <a:t>10/12/2016</a:t>
             </a:fld>
             <a:endParaRPr lang="en-US" dirty="0"/>
           </a:p>
@@ -8258,7 +8258,7 @@
           <a:p>
             <a:fld id="{48A87A34-81AB-432B-8DAE-1953F412C126}" type="datetimeFigureOut">
               <a:rPr lang="en-US" dirty="0"/>
-              <a:t>10/11/2016</a:t>
+              <a:t>10/12/2016</a:t>
             </a:fld>
             <a:endParaRPr lang="en-US" dirty="0"/>
           </a:p>
@@ -8348,7 +8348,7 @@
           <a:p>
             <a:fld id="{48A87A34-81AB-432B-8DAE-1953F412C126}" type="datetimeFigureOut">
               <a:rPr lang="en-US" dirty="0"/>
-              <a:t>10/11/2016</a:t>
+              <a:t>10/12/2016</a:t>
             </a:fld>
             <a:endParaRPr lang="en-US" dirty="0"/>
           </a:p>
@@ -8592,7 +8592,7 @@
           <a:p>
             <a:fld id="{48A87A34-81AB-432B-8DAE-1953F412C126}" type="datetimeFigureOut">
               <a:rPr lang="en-US" dirty="0"/>
-              <a:t>10/11/2016</a:t>
+              <a:t>10/12/2016</a:t>
             </a:fld>
             <a:endParaRPr lang="en-US" dirty="0"/>
           </a:p>
@@ -8867,7 +8867,7 @@
           <a:p>
             <a:fld id="{48A87A34-81AB-432B-8DAE-1953F412C126}" type="datetimeFigureOut">
               <a:rPr lang="en-US" dirty="0"/>
-              <a:t>10/11/2016</a:t>
+              <a:t>10/12/2016</a:t>
             </a:fld>
             <a:endParaRPr lang="en-US" dirty="0"/>
           </a:p>
@@ -8978,7 +8978,7 @@
           <a:noFill/>
           <a:extLst>
             <a:ext uri="{909E8E84-426E-40dd-AFC4-6F175D3DCCD1}">
-              <a14:hiddenFill xmlns="" xmlns:a14="http://schemas.microsoft.com/office/drawing/2010/main">
+              <a14:hiddenFill xmlns:a14="http://schemas.microsoft.com/office/drawing/2010/main" xmlns="">
                 <a:solidFill>
                   <a:srgbClr val="FFFFFF"/>
                 </a:solidFill>
@@ -9052,7 +9052,7 @@
               </a:ln>
               <a:extLst>
                 <a:ext uri="{91240B29-F687-4f45-9708-019B960494DF}">
-                  <a14:hiddenLine xmlns="" xmlns:a14="http://schemas.microsoft.com/office/drawing/2010/main" w="9525">
+                  <a14:hiddenLine xmlns:a14="http://schemas.microsoft.com/office/drawing/2010/main" xmlns="" w="9525">
                     <a:solidFill>
                       <a:srgbClr val="000000"/>
                     </a:solidFill>
@@ -9142,7 +9142,7 @@
               </a:ln>
               <a:extLst>
                 <a:ext uri="{91240B29-F687-4f45-9708-019B960494DF}">
-                  <a14:hiddenLine xmlns="" xmlns:a14="http://schemas.microsoft.com/office/drawing/2010/main" w="9525">
+                  <a14:hiddenLine xmlns:a14="http://schemas.microsoft.com/office/drawing/2010/main" xmlns="" w="9525">
                     <a:solidFill>
                       <a:srgbClr val="000000"/>
                     </a:solidFill>
@@ -9232,7 +9232,7 @@
               </a:ln>
               <a:extLst>
                 <a:ext uri="{91240B29-F687-4f45-9708-019B960494DF}">
-                  <a14:hiddenLine xmlns="" xmlns:a14="http://schemas.microsoft.com/office/drawing/2010/main" w="9525">
+                  <a14:hiddenLine xmlns:a14="http://schemas.microsoft.com/office/drawing/2010/main" xmlns="" w="9525">
                     <a:solidFill>
                       <a:srgbClr val="000000"/>
                     </a:solidFill>
@@ -9294,7 +9294,7 @@
               </a:ln>
               <a:extLst>
                 <a:ext uri="{91240B29-F687-4f45-9708-019B960494DF}">
-                  <a14:hiddenLine xmlns="" xmlns:a14="http://schemas.microsoft.com/office/drawing/2010/main" w="9525">
+                  <a14:hiddenLine xmlns:a14="http://schemas.microsoft.com/office/drawing/2010/main" xmlns="" w="9525">
                     <a:solidFill>
                       <a:srgbClr val="000000"/>
                     </a:solidFill>
@@ -9384,7 +9384,7 @@
               </a:ln>
               <a:extLst>
                 <a:ext uri="{91240B29-F687-4f45-9708-019B960494DF}">
-                  <a14:hiddenLine xmlns="" xmlns:a14="http://schemas.microsoft.com/office/drawing/2010/main" w="9525">
+                  <a14:hiddenLine xmlns:a14="http://schemas.microsoft.com/office/drawing/2010/main" xmlns="" w="9525">
                     <a:solidFill>
                       <a:srgbClr val="000000"/>
                     </a:solidFill>
@@ -9446,7 +9446,7 @@
               </a:ln>
               <a:extLst>
                 <a:ext uri="{91240B29-F687-4f45-9708-019B960494DF}">
-                  <a14:hiddenLine xmlns="" xmlns:a14="http://schemas.microsoft.com/office/drawing/2010/main" w="9525">
+                  <a14:hiddenLine xmlns:a14="http://schemas.microsoft.com/office/drawing/2010/main" xmlns="" w="9525">
                     <a:solidFill>
                       <a:srgbClr val="000000"/>
                     </a:solidFill>
@@ -9508,7 +9508,7 @@
               </a:ln>
               <a:extLst>
                 <a:ext uri="{91240B29-F687-4f45-9708-019B960494DF}">
-                  <a14:hiddenLine xmlns="" xmlns:a14="http://schemas.microsoft.com/office/drawing/2010/main" w="9525">
+                  <a14:hiddenLine xmlns:a14="http://schemas.microsoft.com/office/drawing/2010/main" xmlns="" w="9525">
                     <a:solidFill>
                       <a:srgbClr val="000000"/>
                     </a:solidFill>
@@ -9598,7 +9598,7 @@
               </a:ln>
               <a:extLst>
                 <a:ext uri="{91240B29-F687-4f45-9708-019B960494DF}">
-                  <a14:hiddenLine xmlns="" xmlns:a14="http://schemas.microsoft.com/office/drawing/2010/main" w="9525">
+                  <a14:hiddenLine xmlns:a14="http://schemas.microsoft.com/office/drawing/2010/main" xmlns="" w="9525">
                     <a:solidFill>
                       <a:srgbClr val="000000"/>
                     </a:solidFill>
@@ -9688,7 +9688,7 @@
               </a:ln>
               <a:extLst>
                 <a:ext uri="{91240B29-F687-4f45-9708-019B960494DF}">
-                  <a14:hiddenLine xmlns="" xmlns:a14="http://schemas.microsoft.com/office/drawing/2010/main" w="9525">
+                  <a14:hiddenLine xmlns:a14="http://schemas.microsoft.com/office/drawing/2010/main" xmlns="" w="9525">
                     <a:solidFill>
                       <a:srgbClr val="000000"/>
                     </a:solidFill>
@@ -9750,7 +9750,7 @@
               </a:ln>
               <a:extLst>
                 <a:ext uri="{91240B29-F687-4f45-9708-019B960494DF}">
-                  <a14:hiddenLine xmlns="" xmlns:a14="http://schemas.microsoft.com/office/drawing/2010/main" w="9525">
+                  <a14:hiddenLine xmlns:a14="http://schemas.microsoft.com/office/drawing/2010/main" xmlns="" w="9525">
                     <a:solidFill>
                       <a:srgbClr val="000000"/>
                     </a:solidFill>
@@ -9860,7 +9860,7 @@
               </a:ln>
               <a:extLst>
                 <a:ext uri="{91240B29-F687-4f45-9708-019B960494DF}">
-                  <a14:hiddenLine xmlns="" xmlns:a14="http://schemas.microsoft.com/office/drawing/2010/main" w="9525">
+                  <a14:hiddenLine xmlns:a14="http://schemas.microsoft.com/office/drawing/2010/main" xmlns="" w="9525">
                     <a:solidFill>
                       <a:srgbClr val="000000"/>
                     </a:solidFill>
@@ -9944,7 +9944,7 @@
               </a:ln>
               <a:extLst>
                 <a:ext uri="{91240B29-F687-4f45-9708-019B960494DF}">
-                  <a14:hiddenLine xmlns="" xmlns:a14="http://schemas.microsoft.com/office/drawing/2010/main" w="9525">
+                  <a14:hiddenLine xmlns:a14="http://schemas.microsoft.com/office/drawing/2010/main" xmlns="" w="9525">
                     <a:solidFill>
                       <a:srgbClr val="000000"/>
                     </a:solidFill>
@@ -10006,7 +10006,7 @@
               </a:ln>
               <a:extLst>
                 <a:ext uri="{91240B29-F687-4f45-9708-019B960494DF}">
-                  <a14:hiddenLine xmlns="" xmlns:a14="http://schemas.microsoft.com/office/drawing/2010/main" w="9525">
+                  <a14:hiddenLine xmlns:a14="http://schemas.microsoft.com/office/drawing/2010/main" xmlns="" w="9525">
                     <a:solidFill>
                       <a:srgbClr val="000000"/>
                     </a:solidFill>
@@ -10068,7 +10068,7 @@
               </a:ln>
               <a:extLst>
                 <a:ext uri="{91240B29-F687-4f45-9708-019B960494DF}">
-                  <a14:hiddenLine xmlns="" xmlns:a14="http://schemas.microsoft.com/office/drawing/2010/main" w="9525">
+                  <a14:hiddenLine xmlns:a14="http://schemas.microsoft.com/office/drawing/2010/main" xmlns="" w="9525">
                     <a:solidFill>
                       <a:srgbClr val="000000"/>
                     </a:solidFill>
@@ -10158,7 +10158,7 @@
               </a:ln>
               <a:extLst>
                 <a:ext uri="{91240B29-F687-4f45-9708-019B960494DF}">
-                  <a14:hiddenLine xmlns="" xmlns:a14="http://schemas.microsoft.com/office/drawing/2010/main" w="9525">
+                  <a14:hiddenLine xmlns:a14="http://schemas.microsoft.com/office/drawing/2010/main" xmlns="" w="9525">
                     <a:solidFill>
                       <a:srgbClr val="000000"/>
                     </a:solidFill>
@@ -10192,7 +10192,7 @@
               </a:ln>
               <a:extLst>
                 <a:ext uri="{91240B29-F687-4f45-9708-019B960494DF}">
-                  <a14:hiddenLine xmlns="" xmlns:a14="http://schemas.microsoft.com/office/drawing/2010/main" w="9525">
+                  <a14:hiddenLine xmlns:a14="http://schemas.microsoft.com/office/drawing/2010/main" xmlns="" w="9525">
                     <a:solidFill>
                       <a:srgbClr val="000000"/>
                     </a:solidFill>
@@ -10257,7 +10257,7 @@
               </a:ln>
               <a:extLst>
                 <a:ext uri="{91240B29-F687-4f45-9708-019B960494DF}">
-                  <a14:hiddenLine xmlns="" xmlns:a14="http://schemas.microsoft.com/office/drawing/2010/main" w="9525">
+                  <a14:hiddenLine xmlns:a14="http://schemas.microsoft.com/office/drawing/2010/main" xmlns="" w="9525">
                     <a:solidFill>
                       <a:srgbClr val="000000"/>
                     </a:solidFill>
@@ -10347,7 +10347,7 @@
               </a:ln>
               <a:extLst>
                 <a:ext uri="{91240B29-F687-4f45-9708-019B960494DF}">
-                  <a14:hiddenLine xmlns="" xmlns:a14="http://schemas.microsoft.com/office/drawing/2010/main" w="9525">
+                  <a14:hiddenLine xmlns:a14="http://schemas.microsoft.com/office/drawing/2010/main" xmlns="" w="9525">
                     <a:solidFill>
                       <a:srgbClr val="000000"/>
                     </a:solidFill>
@@ -10409,7 +10409,7 @@
               </a:ln>
               <a:extLst>
                 <a:ext uri="{91240B29-F687-4f45-9708-019B960494DF}">
-                  <a14:hiddenLine xmlns="" xmlns:a14="http://schemas.microsoft.com/office/drawing/2010/main" w="9525">
+                  <a14:hiddenLine xmlns:a14="http://schemas.microsoft.com/office/drawing/2010/main" xmlns="" w="9525">
                     <a:solidFill>
                       <a:srgbClr val="000000"/>
                     </a:solidFill>
@@ -10499,7 +10499,7 @@
               </a:ln>
               <a:extLst>
                 <a:ext uri="{91240B29-F687-4f45-9708-019B960494DF}">
-                  <a14:hiddenLine xmlns="" xmlns:a14="http://schemas.microsoft.com/office/drawing/2010/main" w="9525">
+                  <a14:hiddenLine xmlns:a14="http://schemas.microsoft.com/office/drawing/2010/main" xmlns="" w="9525">
                     <a:solidFill>
                       <a:srgbClr val="000000"/>
                     </a:solidFill>
@@ -10564,7 +10564,7 @@
               </a:ln>
               <a:extLst>
                 <a:ext uri="{91240B29-F687-4f45-9708-019B960494DF}">
-                  <a14:hiddenLine xmlns="" xmlns:a14="http://schemas.microsoft.com/office/drawing/2010/main" w="9525">
+                  <a14:hiddenLine xmlns:a14="http://schemas.microsoft.com/office/drawing/2010/main" xmlns="" w="9525">
                     <a:solidFill>
                       <a:srgbClr val="000000"/>
                     </a:solidFill>
@@ -10626,7 +10626,7 @@
               </a:ln>
               <a:extLst>
                 <a:ext uri="{91240B29-F687-4f45-9708-019B960494DF}">
-                  <a14:hiddenLine xmlns="" xmlns:a14="http://schemas.microsoft.com/office/drawing/2010/main" w="9525">
+                  <a14:hiddenLine xmlns:a14="http://schemas.microsoft.com/office/drawing/2010/main" xmlns="" w="9525">
                     <a:solidFill>
                       <a:srgbClr val="000000"/>
                     </a:solidFill>
@@ -10716,7 +10716,7 @@
               </a:ln>
               <a:extLst>
                 <a:ext uri="{91240B29-F687-4f45-9708-019B960494DF}">
-                  <a14:hiddenLine xmlns="" xmlns:a14="http://schemas.microsoft.com/office/drawing/2010/main" w="9525">
+                  <a14:hiddenLine xmlns:a14="http://schemas.microsoft.com/office/drawing/2010/main" xmlns="" w="9525">
                     <a:solidFill>
                       <a:srgbClr val="000000"/>
                     </a:solidFill>
@@ -10806,7 +10806,7 @@
               </a:ln>
               <a:extLst>
                 <a:ext uri="{91240B29-F687-4f45-9708-019B960494DF}">
-                  <a14:hiddenLine xmlns="" xmlns:a14="http://schemas.microsoft.com/office/drawing/2010/main" w="9525">
+                  <a14:hiddenLine xmlns:a14="http://schemas.microsoft.com/office/drawing/2010/main" xmlns="" w="9525">
                     <a:solidFill>
                       <a:srgbClr val="000000"/>
                     </a:solidFill>
@@ -10871,7 +10871,7 @@
               </a:ln>
               <a:extLst>
                 <a:ext uri="{91240B29-F687-4f45-9708-019B960494DF}">
-                  <a14:hiddenLine xmlns="" xmlns:a14="http://schemas.microsoft.com/office/drawing/2010/main" w="9525">
+                  <a14:hiddenLine xmlns:a14="http://schemas.microsoft.com/office/drawing/2010/main" xmlns="" w="9525">
                     <a:solidFill>
                       <a:srgbClr val="000000"/>
                     </a:solidFill>
@@ -10991,7 +10991,7 @@
               </a:ln>
               <a:extLst>
                 <a:ext uri="{91240B29-F687-4f45-9708-019B960494DF}">
-                  <a14:hiddenLine xmlns="" xmlns:a14="http://schemas.microsoft.com/office/drawing/2010/main" w="9525">
+                  <a14:hiddenLine xmlns:a14="http://schemas.microsoft.com/office/drawing/2010/main" xmlns="" w="9525">
                     <a:solidFill>
                       <a:srgbClr val="000000"/>
                     </a:solidFill>
@@ -11089,7 +11089,7 @@
               </a:ln>
               <a:extLst>
                 <a:ext uri="{91240B29-F687-4f45-9708-019B960494DF}">
-                  <a14:hiddenLine xmlns="" xmlns:a14="http://schemas.microsoft.com/office/drawing/2010/main" w="9525">
+                  <a14:hiddenLine xmlns:a14="http://schemas.microsoft.com/office/drawing/2010/main" xmlns="" w="9525">
                     <a:solidFill>
                       <a:srgbClr val="000000"/>
                     </a:solidFill>
@@ -11204,7 +11204,7 @@
               </a:ln>
               <a:extLst>
                 <a:ext uri="{91240B29-F687-4f45-9708-019B960494DF}">
-                  <a14:hiddenLine xmlns="" xmlns:a14="http://schemas.microsoft.com/office/drawing/2010/main" w="9525">
+                  <a14:hiddenLine xmlns:a14="http://schemas.microsoft.com/office/drawing/2010/main" xmlns="" w="9525">
                     <a:solidFill>
                       <a:srgbClr val="000000"/>
                     </a:solidFill>
@@ -11294,7 +11294,7 @@
               </a:ln>
               <a:extLst>
                 <a:ext uri="{91240B29-F687-4f45-9708-019B960494DF}">
-                  <a14:hiddenLine xmlns="" xmlns:a14="http://schemas.microsoft.com/office/drawing/2010/main" w="9525">
+                  <a14:hiddenLine xmlns:a14="http://schemas.microsoft.com/office/drawing/2010/main" xmlns="" w="9525">
                     <a:solidFill>
                       <a:srgbClr val="000000"/>
                     </a:solidFill>
@@ -11359,7 +11359,7 @@
               </a:ln>
               <a:extLst>
                 <a:ext uri="{91240B29-F687-4f45-9708-019B960494DF}">
-                  <a14:hiddenLine xmlns="" xmlns:a14="http://schemas.microsoft.com/office/drawing/2010/main" w="9525">
+                  <a14:hiddenLine xmlns:a14="http://schemas.microsoft.com/office/drawing/2010/main" xmlns="" w="9525">
                     <a:solidFill>
                       <a:srgbClr val="000000"/>
                     </a:solidFill>
@@ -11449,7 +11449,7 @@
               </a:ln>
               <a:extLst>
                 <a:ext uri="{91240B29-F687-4f45-9708-019B960494DF}">
-                  <a14:hiddenLine xmlns="" xmlns:a14="http://schemas.microsoft.com/office/drawing/2010/main" w="9525">
+                  <a14:hiddenLine xmlns:a14="http://schemas.microsoft.com/office/drawing/2010/main" xmlns="" w="9525">
                     <a:solidFill>
                       <a:srgbClr val="000000"/>
                     </a:solidFill>
@@ -11517,7 +11517,7 @@
               </a:ln>
               <a:extLst>
                 <a:ext uri="{91240B29-F687-4f45-9708-019B960494DF}">
-                  <a14:hiddenLine xmlns="" xmlns:a14="http://schemas.microsoft.com/office/drawing/2010/main" w="9525">
+                  <a14:hiddenLine xmlns:a14="http://schemas.microsoft.com/office/drawing/2010/main" xmlns="" w="9525">
                     <a:solidFill>
                       <a:srgbClr val="000000"/>
                     </a:solidFill>
@@ -11607,7 +11607,7 @@
               </a:ln>
               <a:extLst>
                 <a:ext uri="{91240B29-F687-4f45-9708-019B960494DF}">
-                  <a14:hiddenLine xmlns="" xmlns:a14="http://schemas.microsoft.com/office/drawing/2010/main" w="9525">
+                  <a14:hiddenLine xmlns:a14="http://schemas.microsoft.com/office/drawing/2010/main" xmlns="" w="9525">
                     <a:solidFill>
                       <a:srgbClr val="000000"/>
                     </a:solidFill>
@@ -11675,7 +11675,7 @@
               </a:ln>
               <a:extLst>
                 <a:ext uri="{91240B29-F687-4f45-9708-019B960494DF}">
-                  <a14:hiddenLine xmlns="" xmlns:a14="http://schemas.microsoft.com/office/drawing/2010/main" w="9525">
+                  <a14:hiddenLine xmlns:a14="http://schemas.microsoft.com/office/drawing/2010/main" xmlns="" w="9525">
                     <a:solidFill>
                       <a:srgbClr val="000000"/>
                     </a:solidFill>
@@ -11765,7 +11765,7 @@
               </a:ln>
               <a:extLst>
                 <a:ext uri="{91240B29-F687-4f45-9708-019B960494DF}">
-                  <a14:hiddenLine xmlns="" xmlns:a14="http://schemas.microsoft.com/office/drawing/2010/main" w="9525">
+                  <a14:hiddenLine xmlns:a14="http://schemas.microsoft.com/office/drawing/2010/main" xmlns="" w="9525">
                     <a:solidFill>
                       <a:srgbClr val="000000"/>
                     </a:solidFill>
@@ -11799,7 +11799,7 @@
               </a:ln>
               <a:extLst>
                 <a:ext uri="{91240B29-F687-4f45-9708-019B960494DF}">
-                  <a14:hiddenLine xmlns="" xmlns:a14="http://schemas.microsoft.com/office/drawing/2010/main" w="9525">
+                  <a14:hiddenLine xmlns:a14="http://schemas.microsoft.com/office/drawing/2010/main" xmlns="" w="9525">
                     <a:solidFill>
                       <a:srgbClr val="000000"/>
                     </a:solidFill>
@@ -11940,7 +11940,7 @@
             <a:fld id="{48A87A34-81AB-432B-8DAE-1953F412C126}" type="datetimeFigureOut">
               <a:rPr lang="en-US" dirty="0"/>
               <a:pPr/>
-              <a:t>10/11/2016</a:t>
+              <a:t>10/12/2016</a:t>
             </a:fld>
             <a:endParaRPr lang="en-US" dirty="0"/>
           </a:p>
@@ -13267,7 +13267,11 @@
               <a:buChar char="•"/>
             </a:pPr>
             <a:r>
-              <a:rPr lang="en-US" sz="2000" dirty="0"/>
+              <a:rPr lang="en-US" sz="2000" dirty="0">
+                <a:solidFill>
+                  <a:srgbClr val="FF0000"/>
+                </a:solidFill>
+              </a:rPr>
               <a:t>&lt;h2 … style=“color: red; &gt;</a:t>
             </a:r>
           </a:p>
